--- a/labs/lab07/presentation/presentation.pptx
+++ b/labs/lab07/presentation/presentation.pptx
@@ -21,19 +21,6 @@
     <p:sldId id="269" r:id="rId15"/>
     <p:sldId id="270" r:id="rId16"/>
     <p:sldId id="271" r:id="rId17"/>
-    <p:sldId id="272" r:id="rId18"/>
-    <p:sldId id="273" r:id="rId19"/>
-    <p:sldId id="274" r:id="rId20"/>
-    <p:sldId id="275" r:id="rId21"/>
-    <p:sldId id="276" r:id="rId22"/>
-    <p:sldId id="277" r:id="rId23"/>
-    <p:sldId id="278" r:id="rId24"/>
-    <p:sldId id="279" r:id="rId25"/>
-    <p:sldId id="280" r:id="rId26"/>
-    <p:sldId id="281" r:id="rId27"/>
-    <p:sldId id="282" r:id="rId28"/>
-    <p:sldId id="283" r:id="rId29"/>
-    <p:sldId id="284" r:id="rId30"/>
   </p:sldIdLst>
   <p:sldSz cx="9144000" cy="6858000" type="screen4x3"/>
   <p:notesSz cx="6858000" cy="9144000"/>
@@ -3164,7 +3151,7 @@
             </a:pPr>
             <a:r>
               <a:rPr/>
-              <a:t>Structural</a:t>
+              <a:t>Отчет</a:t>
             </a:r>
             <a:r>
               <a:rPr/>
@@ -3172,7 +3159,7 @@
             </a:r>
             <a:r>
               <a:rPr/>
-              <a:t>approach</a:t>
+              <a:t>по</a:t>
             </a:r>
             <a:r>
               <a:rPr/>
@@ -3180,7 +3167,7 @@
             </a:r>
             <a:r>
               <a:rPr/>
-              <a:t>to</a:t>
+              <a:t>лабораторной</a:t>
             </a:r>
             <a:r>
               <a:rPr/>
@@ -3188,7 +3175,7 @@
             </a:r>
             <a:r>
               <a:rPr/>
-              <a:t>the</a:t>
+              <a:t>работе</a:t>
             </a:r>
             <a:r>
               <a:rPr/>
@@ -3196,23 +3183,7 @@
             </a:r>
             <a:r>
               <a:rPr/>
-              <a:t>deep</a:t>
-            </a:r>
-            <a:r>
-              <a:rPr/>
-              <a:t> </a:t>
-            </a:r>
-            <a:r>
-              <a:rPr/>
-              <a:t>learning</a:t>
-            </a:r>
-            <a:r>
-              <a:rPr/>
-              <a:t> </a:t>
-            </a:r>
-            <a:r>
-              <a:rPr/>
-              <a:t>method</a:t>
+              <a:t>№7</a:t>
             </a:r>
           </a:p>
         </p:txBody>
@@ -3242,6 +3213,26 @@
             </a:pPr>
             <a:br/>
             <a:br/>
+            <a:r>
+              <a:rPr/>
+              <a:t>Алмазова</a:t>
+            </a:r>
+            <a:r>
+              <a:rPr/>
+              <a:t> </a:t>
+            </a:r>
+            <a:r>
+              <a:rPr/>
+              <a:t>Елизавета</a:t>
+            </a:r>
+            <a:r>
+              <a:rPr/>
+              <a:t> </a:t>
+            </a:r>
+            <a:r>
+              <a:rPr/>
+              <a:t>Андреевна</a:t>
+            </a:r>
           </a:p>
         </p:txBody>
       </p:sp>
@@ -3265,71 +3256,7 @@
             </a:pPr>
             <a:r>
               <a:rPr/>
-              <a:t>NEC–2019,</a:t>
-            </a:r>
-            <a:r>
-              <a:rPr/>
-              <a:t> </a:t>
-            </a:r>
-            <a:r>
-              <a:rPr/>
-              <a:t>30</a:t>
-            </a:r>
-            <a:r>
-              <a:rPr/>
-              <a:t> </a:t>
-            </a:r>
-            <a:r>
-              <a:rPr/>
-              <a:t>September</a:t>
-            </a:r>
-            <a:r>
-              <a:rPr/>
-              <a:t> </a:t>
-            </a:r>
-            <a:r>
-              <a:rPr/>
-              <a:t>–</a:t>
-            </a:r>
-            <a:r>
-              <a:rPr/>
-              <a:t> </a:t>
-            </a:r>
-            <a:r>
-              <a:rPr/>
-              <a:t>4</a:t>
-            </a:r>
-            <a:r>
-              <a:rPr/>
-              <a:t> </a:t>
-            </a:r>
-            <a:r>
-              <a:rPr/>
-              <a:t>October,</a:t>
-            </a:r>
-            <a:r>
-              <a:rPr/>
-              <a:t> </a:t>
-            </a:r>
-            <a:r>
-              <a:rPr/>
-              <a:t>2019</a:t>
-            </a:r>
-            <a:r>
-              <a:rPr/>
-              <a:t> </a:t>
-            </a:r>
-            <a:r>
-              <a:rPr/>
-              <a:t>Budva,</a:t>
-            </a:r>
-            <a:r>
-              <a:rPr/>
-              <a:t> </a:t>
-            </a:r>
-            <a:r>
-              <a:rPr/>
-              <a:t>Montenegro</a:t>
+              <a:t>14.05.2022</a:t>
             </a:r>
           </a:p>
         </p:txBody>
@@ -3358,38 +3285,25 @@
       </p:grpSpPr>
       <p:sp>
         <p:nvSpPr>
-          <p:cNvPr id="2" name="Title 1"/>
-          <p:cNvSpPr>
-            <a:spLocks noGrp="1"/>
-          </p:cNvSpPr>
-          <p:nvPr>
-            <p:ph type="title"/>
-          </p:nvPr>
-        </p:nvSpPr>
-        <p:spPr>
-          <a:xfrm>
-            <a:off x="722313" y="4406900"/>
-            <a:ext cx="7772400" cy="1362075"/>
-          </a:xfrm>
-        </p:spPr>
-        <p:txBody>
-          <a:bodyPr/>
-          <a:lstStyle/>
-          <a:p>
-            <a:pPr lvl="0" marL="0" indent="0">
-              <a:buNone/>
+          <p:cNvPr id="3" name="Content Placeholder 2"/>
+          <p:cNvSpPr>
+            <a:spLocks noGrp="1"/>
+          </p:cNvSpPr>
+          <p:nvPr>
+            <p:ph idx="1"/>
+          </p:nvPr>
+        </p:nvSpPr>
+        <p:spPr/>
+        <p:txBody>
+          <a:bodyPr/>
+          <a:lstStyle/>
+          <a:p>
+            <a:pPr lvl="1">
+              <a:buAutoNum startAt="5" type="arabicPeriod"/>
             </a:pPr>
             <a:r>
               <a:rPr/>
-              <a:t>Структура</a:t>
-            </a:r>
-            <a:r>
-              <a:rPr/>
-              <a:t> </a:t>
-            </a:r>
-            <a:r>
-              <a:rPr/>
-              <a:t>проекта</a:t>
+              <a:t>Вызвала подменю Настройки. Освоила операции, определяющие структуру экрана mc (рис.4).</a:t>
             </a:r>
           </a:p>
         </p:txBody>
@@ -3416,27 +3330,62 @@
           <a:chExt cx="0" cy="0"/>
         </a:xfrm>
       </p:grpSpPr>
-      <p:sp>
-        <p:nvSpPr>
-          <p:cNvPr id="2" name="Title 1"/>
-          <p:cNvSpPr>
-            <a:spLocks noGrp="1"/>
-          </p:cNvSpPr>
-          <p:nvPr>
-            <p:ph type="title"/>
-          </p:nvPr>
-        </p:nvSpPr>
-        <p:spPr/>
-        <p:txBody>
-          <a:bodyPr/>
-          <a:lstStyle/>
-          <a:p>
-            <a:pPr lvl="0" marL="0" indent="0">
+      <p:pic>
+        <p:nvPicPr>
+          <p:cNvPr descr="image/4.png" id="0" name="Picture 1"/>
+          <p:cNvPicPr>
+            <a:picLocks noGrp="1" noChangeAspect="1"/>
+          </p:cNvPicPr>
+          <p:nvPr/>
+        </p:nvPicPr>
+        <p:blipFill>
+          <a:blip r:embed="rId2"/>
+          <a:stretch>
+            <a:fillRect/>
+          </a:stretch>
+        </p:blipFill>
+        <p:spPr bwMode="auto">
+          <a:xfrm>
+            <a:off x="2044700" y="1600200"/>
+            <a:ext cx="5054600" cy="4013200"/>
+          </a:xfrm>
+          <a:prstGeom prst="rect">
+            <a:avLst/>
+          </a:prstGeom>
+          <a:noFill/>
+          <a:ln w="9525">
+            <a:noFill/>
+            <a:headEnd/>
+            <a:tailEnd/>
+          </a:ln>
+        </p:spPr>
+      </p:pic>
+      <p:sp>
+        <p:nvSpPr>
+          <p:cNvPr id="1" name="TextBox 3"/>
+          <p:cNvSpPr txBox="1"/>
+          <p:nvPr/>
+        </p:nvSpPr>
+        <p:spPr>
+          <a:xfrm>
+            <a:off x="457200" y="5613400"/>
+            <a:ext cx="8229600" cy="508000"/>
+          </a:xfrm>
+          <a:prstGeom prst="rect">
+            <a:avLst/>
+          </a:prstGeom>
+          <a:noFill/>
+        </p:spPr>
+        <p:txBody>
+          <a:bodyPr/>
+          <a:lstStyle/>
+          <a:p>
+            <a:pPr lvl="0" marL="0" indent="0" algn="ctr">
               <a:buNone/>
             </a:pPr>
             <a:r>
               <a:rPr/>
-              <a:t>Как</a:t>
+              <a:t>Рисунок</a:t>
             </a:r>
             <a:r>
               <a:rPr/>
@@ -3444,7 +3393,7 @@
             </a:r>
             <a:r>
               <a:rPr/>
-              <a:t>устроен</a:t>
+              <a:t>4</a:t>
             </a:r>
             <a:r>
               <a:rPr/>
@@ -3452,7 +3401,7 @@
             </a:r>
             <a:r>
               <a:rPr/>
-              <a:t>проект</a:t>
+              <a:t>-</a:t>
             </a:r>
             <a:r>
               <a:rPr/>
@@ -3460,7 +3409,7 @@
             </a:r>
             <a:r>
               <a:rPr/>
-              <a:t>анализа</a:t>
+              <a:t>Одно</a:t>
             </a:r>
             <a:r>
               <a:rPr/>
@@ -3468,50 +3417,31 @@
             </a:r>
             <a:r>
               <a:rPr/>
-              <a:t>данных</a:t>
-            </a:r>
-          </a:p>
-        </p:txBody>
-      </p:sp>
-      <p:sp>
-        <p:nvSpPr>
-          <p:cNvPr id="3" name="Content Placeholder 2"/>
-          <p:cNvSpPr>
-            <a:spLocks noGrp="1"/>
-          </p:cNvSpPr>
-          <p:nvPr>
-            <p:ph idx="1"/>
-          </p:nvPr>
-        </p:nvSpPr>
-        <p:spPr/>
-        <p:txBody>
-          <a:bodyPr/>
-          <a:lstStyle/>
-          <a:p>
-            <a:pPr lvl="1">
-              <a:buAutoNum type="arabicPeriod"/>
-            </a:pPr>
-            <a:r>
-              <a:rPr/>
-              <a:t>Требования к проекту</a:t>
-            </a:r>
-          </a:p>
-          <a:p>
-            <a:pPr lvl="1">
-              <a:buAutoNum type="arabicPeriod"/>
-            </a:pPr>
-            <a:r>
-              <a:rPr/>
-              <a:t>Данные проекта</a:t>
-            </a:r>
-          </a:p>
-          <a:p>
-            <a:pPr lvl="1">
-              <a:buAutoNum type="arabicPeriod"/>
-            </a:pPr>
-            <a:r>
-              <a:rPr/>
-              <a:t>Разработка и внедрение проекта</a:t>
+              <a:t>из</a:t>
+            </a:r>
+            <a:r>
+              <a:rPr/>
+              <a:t> </a:t>
+            </a:r>
+            <a:r>
+              <a:rPr/>
+              <a:t>окон</a:t>
+            </a:r>
+            <a:r>
+              <a:rPr/>
+              <a:t> </a:t>
+            </a:r>
+            <a:r>
+              <a:rPr/>
+              <a:t>подменю</a:t>
+            </a:r>
+            <a:r>
+              <a:rPr/>
+              <a:t> </a:t>
+            </a:r>
+            <a:r>
+              <a:rPr/>
+              <a:t>Настройки</a:t>
             </a:r>
           </a:p>
         </p:txBody>
@@ -3540,76 +3470,25 @@
       </p:grpSpPr>
       <p:sp>
         <p:nvSpPr>
-          <p:cNvPr id="2" name="Title 1"/>
-          <p:cNvSpPr>
-            <a:spLocks noGrp="1"/>
-          </p:cNvSpPr>
-          <p:nvPr>
-            <p:ph type="title"/>
-          </p:nvPr>
-        </p:nvSpPr>
-        <p:spPr/>
-        <p:txBody>
-          <a:bodyPr/>
-          <a:lstStyle/>
-          <a:p>
-            <a:pPr lvl="0" marL="0" indent="0">
-              <a:buNone/>
+          <p:cNvPr id="3" name="Content Placeholder 2"/>
+          <p:cNvSpPr>
+            <a:spLocks noGrp="1"/>
+          </p:cNvSpPr>
+          <p:nvPr>
+            <p:ph idx="1"/>
+          </p:nvPr>
+        </p:nvSpPr>
+        <p:spPr/>
+        <p:txBody>
+          <a:bodyPr/>
+          <a:lstStyle/>
+          <a:p>
+            <a:pPr lvl="1">
+              <a:buAutoNum startAt="6" type="arabicPeriod"/>
             </a:pPr>
             <a:r>
               <a:rPr/>
-              <a:t>Требования</a:t>
-            </a:r>
-          </a:p>
-        </p:txBody>
-      </p:sp>
-      <p:sp>
-        <p:nvSpPr>
-          <p:cNvPr id="3" name="Content Placeholder 2"/>
-          <p:cNvSpPr>
-            <a:spLocks noGrp="1"/>
-          </p:cNvSpPr>
-          <p:nvPr>
-            <p:ph idx="1"/>
-          </p:nvPr>
-        </p:nvSpPr>
-        <p:spPr/>
-        <p:txBody>
-          <a:bodyPr/>
-          <a:lstStyle/>
-          <a:p>
-            <a:pPr lvl="1"/>
-            <a:r>
-              <a:rPr/>
-              <a:t>Мы ничего не знаем о том, какие у нас есть данные.</a:t>
-            </a:r>
-          </a:p>
-          <a:p>
-            <a:pPr lvl="1"/>
-            <a:r>
-              <a:rPr/>
-              <a:t>Мы должны вникнуть в постановку задачи.</a:t>
-            </a:r>
-          </a:p>
-          <a:p>
-            <a:pPr lvl="1"/>
-            <a:r>
-              <a:rPr/>
-              <a:t>Мы должны понять, какой результат требуется получить от проекта.</a:t>
-            </a:r>
-          </a:p>
-          <a:p>
-            <a:pPr lvl="1"/>
-            <a:r>
-              <a:rPr/>
-              <a:t>Мы должны решить, каким методом задача будет решаться.</a:t>
-            </a:r>
-          </a:p>
-          <a:p>
-            <a:pPr lvl="1"/>
-            <a:r>
-              <a:rPr/>
-              <a:t>Мы должны задать требования к данным.</a:t>
+              <a:t>Создала текстовой файл text.txt, открыла этот файл с помощью встроенного в mc редактора . Вставила в открытый файл небольшой фрагмент текста, скопированный из другого файла. Используя горячие клавиши, редактировала, сохранила и закрыла файл.</a:t>
             </a:r>
           </a:p>
         </p:txBody>
@@ -3636,99 +3515,110 @@
           <a:chExt cx="0" cy="0"/>
         </a:xfrm>
       </p:grpSpPr>
-      <p:sp>
-        <p:nvSpPr>
-          <p:cNvPr id="2" name="Title 1"/>
-          <p:cNvSpPr>
-            <a:spLocks noGrp="1"/>
-          </p:cNvSpPr>
-          <p:nvPr>
-            <p:ph type="title"/>
-          </p:nvPr>
-        </p:nvSpPr>
-        <p:spPr/>
-        <p:txBody>
-          <a:bodyPr/>
-          <a:lstStyle/>
-          <a:p>
-            <a:pPr lvl="0" marL="0" indent="0">
+      <p:pic>
+        <p:nvPicPr>
+          <p:cNvPr descr="image/5.png" id="0" name="Picture 1"/>
+          <p:cNvPicPr>
+            <a:picLocks noGrp="1" noChangeAspect="1"/>
+          </p:cNvPicPr>
+          <p:nvPr/>
+        </p:nvPicPr>
+        <p:blipFill>
+          <a:blip r:embed="rId2"/>
+          <a:stretch>
+            <a:fillRect/>
+          </a:stretch>
+        </p:blipFill>
+        <p:spPr bwMode="auto">
+          <a:xfrm>
+            <a:off x="457200" y="3048000"/>
+            <a:ext cx="8229600" cy="1117600"/>
+          </a:xfrm>
+          <a:prstGeom prst="rect">
+            <a:avLst/>
+          </a:prstGeom>
+          <a:noFill/>
+          <a:ln w="9525">
+            <a:noFill/>
+            <a:headEnd/>
+            <a:tailEnd/>
+          </a:ln>
+        </p:spPr>
+      </p:pic>
+      <p:sp>
+        <p:nvSpPr>
+          <p:cNvPr id="1" name="TextBox 3"/>
+          <p:cNvSpPr txBox="1"/>
+          <p:nvPr/>
+        </p:nvSpPr>
+        <p:spPr>
+          <a:xfrm>
+            <a:off x="457200" y="5613400"/>
+            <a:ext cx="8229600" cy="508000"/>
+          </a:xfrm>
+          <a:prstGeom prst="rect">
+            <a:avLst/>
+          </a:prstGeom>
+          <a:noFill/>
+        </p:spPr>
+        <p:txBody>
+          <a:bodyPr/>
+          <a:lstStyle/>
+          <a:p>
+            <a:pPr lvl="0" marL="0" indent="0" algn="ctr">
               <a:buNone/>
             </a:pPr>
             <a:r>
               <a:rPr/>
-              <a:t>Данные</a:t>
-            </a:r>
-          </a:p>
-        </p:txBody>
-      </p:sp>
-      <p:sp>
-        <p:nvSpPr>
-          <p:cNvPr id="3" name="Content Placeholder 2"/>
-          <p:cNvSpPr>
-            <a:spLocks noGrp="1"/>
-          </p:cNvSpPr>
-          <p:nvPr>
-            <p:ph idx="1"/>
-          </p:nvPr>
-        </p:nvSpPr>
-        <p:spPr/>
-        <p:txBody>
-          <a:bodyPr/>
-          <a:lstStyle/>
-          <a:p>
-            <a:pPr lvl="1"/>
-            <a:r>
-              <a:rPr/>
-              <a:t>Поиск данных для решения задачи:</a:t>
-            </a:r>
-          </a:p>
-          <a:p>
-            <a:pPr lvl="2"/>
-            <a:r>
-              <a:rPr/>
-              <a:t>мы узнаем, какие источники нам доступны;</a:t>
-            </a:r>
-          </a:p>
-          <a:p>
-            <a:pPr lvl="2"/>
-            <a:r>
-              <a:rPr/>
-              <a:t>мы формируем выборку, с которой в дальнейшем будем работать.</a:t>
-            </a:r>
-          </a:p>
-          <a:p>
-            <a:pPr lvl="1"/>
-            <a:r>
-              <a:rPr/>
-              <a:t>Исследование данных:</a:t>
-            </a:r>
-          </a:p>
-          <a:p>
-            <a:pPr lvl="2"/>
-            <a:r>
-              <a:rPr/>
-              <a:t>исследовать центральное положение и вариабельность;</a:t>
-            </a:r>
-          </a:p>
-          <a:p>
-            <a:pPr lvl="2"/>
-            <a:r>
-              <a:rPr/>
-              <a:t>выявить корреляции между признаками;</a:t>
-            </a:r>
-          </a:p>
-          <a:p>
-            <a:pPr lvl="2"/>
-            <a:r>
-              <a:rPr/>
-              <a:t>построить графики распределения.</a:t>
-            </a:r>
-          </a:p>
-          <a:p>
-            <a:pPr lvl="1"/>
-            <a:r>
-              <a:rPr/>
-              <a:t>Подготовка данных.</a:t>
+              <a:t>Рисунок</a:t>
+            </a:r>
+            <a:r>
+              <a:rPr/>
+              <a:t> </a:t>
+            </a:r>
+            <a:r>
+              <a:rPr/>
+              <a:t>5</a:t>
+            </a:r>
+            <a:r>
+              <a:rPr/>
+              <a:t> </a:t>
+            </a:r>
+            <a:r>
+              <a:rPr/>
+              <a:t>-</a:t>
+            </a:r>
+            <a:r>
+              <a:rPr/>
+              <a:t> </a:t>
+            </a:r>
+            <a:r>
+              <a:rPr/>
+              <a:t>Работа</a:t>
+            </a:r>
+            <a:r>
+              <a:rPr/>
+              <a:t> </a:t>
+            </a:r>
+            <a:r>
+              <a:rPr/>
+              <a:t>с</a:t>
+            </a:r>
+            <a:r>
+              <a:rPr/>
+              <a:t> </a:t>
+            </a:r>
+            <a:r>
+              <a:rPr/>
+              <a:t>файлом</a:t>
+            </a:r>
+            <a:r>
+              <a:rPr/>
+              <a:t> </a:t>
+            </a:r>
+            <a:r>
+              <a:rPr/>
+              <a:t>text.txt</a:t>
             </a:r>
           </a:p>
         </p:txBody>
@@ -3757,99 +3647,25 @@
       </p:grpSpPr>
       <p:sp>
         <p:nvSpPr>
-          <p:cNvPr id="2" name="Title 1"/>
-          <p:cNvSpPr>
-            <a:spLocks noGrp="1"/>
-          </p:cNvSpPr>
-          <p:nvPr>
-            <p:ph type="title"/>
-          </p:nvPr>
-        </p:nvSpPr>
-        <p:spPr/>
-        <p:txBody>
-          <a:bodyPr/>
-          <a:lstStyle/>
-          <a:p>
-            <a:pPr lvl="0" marL="0" indent="0">
-              <a:buNone/>
+          <p:cNvPr id="3" name="Content Placeholder 2"/>
+          <p:cNvSpPr>
+            <a:spLocks noGrp="1"/>
+          </p:cNvSpPr>
+          <p:nvPr>
+            <p:ph idx="1"/>
+          </p:nvPr>
+        </p:nvSpPr>
+        <p:spPr/>
+        <p:txBody>
+          <a:bodyPr/>
+          <a:lstStyle/>
+          <a:p>
+            <a:pPr lvl="1">
+              <a:buAutoNum startAt="7" type="arabicPeriod"/>
             </a:pPr>
             <a:r>
               <a:rPr/>
-              <a:t>Разработка</a:t>
-            </a:r>
-            <a:r>
-              <a:rPr/>
-              <a:t> </a:t>
-            </a:r>
-            <a:r>
-              <a:rPr/>
-              <a:t>и</a:t>
-            </a:r>
-            <a:r>
-              <a:rPr/>
-              <a:t> </a:t>
-            </a:r>
-            <a:r>
-              <a:rPr/>
-              <a:t>внедрение</a:t>
-            </a:r>
-          </a:p>
-        </p:txBody>
-      </p:sp>
-      <p:sp>
-        <p:nvSpPr>
-          <p:cNvPr id="3" name="Content Placeholder 2"/>
-          <p:cNvSpPr>
-            <a:spLocks noGrp="1"/>
-          </p:cNvSpPr>
-          <p:nvPr>
-            <p:ph idx="1"/>
-          </p:nvPr>
-        </p:nvSpPr>
-        <p:spPr/>
-        <p:txBody>
-          <a:bodyPr/>
-          <a:lstStyle/>
-          <a:p>
-            <a:pPr lvl="1"/>
-            <a:r>
-              <a:rPr/>
-              <a:t>Разработка модели.</a:t>
-            </a:r>
-          </a:p>
-          <a:p>
-            <a:pPr lvl="1"/>
-            <a:r>
-              <a:rPr/>
-              <a:t>Программная реализация модели.</a:t>
-            </a:r>
-          </a:p>
-          <a:p>
-            <a:pPr lvl="1"/>
-            <a:r>
-              <a:rPr/>
-              <a:t>Прогонка обучающей выборки.</a:t>
-            </a:r>
-          </a:p>
-          <a:p>
-            <a:pPr lvl="1"/>
-            <a:r>
-              <a:rPr/>
-              <a:t>Проверка на тестовой выборке.</a:t>
-            </a:r>
-          </a:p>
-          <a:p>
-            <a:pPr lvl="1"/>
-            <a:r>
-              <a:rPr/>
-              <a:t>Верификация результата.</a:t>
-            </a:r>
-          </a:p>
-          <a:p>
-            <a:pPr lvl="1"/>
-            <a:r>
-              <a:rPr/>
-              <a:t>Цикл (можно начинать все сначала).</a:t>
+              <a:t>Открыла файл с исходным текстом на языке программирования Java. Используя меню редактора, включила подсветку синтаксиса.</a:t>
             </a:r>
           </a:p>
         </p:txBody>
@@ -3886,12 +3702,7 @@
             <p:ph type="title"/>
           </p:nvPr>
         </p:nvSpPr>
-        <p:spPr>
-          <a:xfrm>
-            <a:off x="722313" y="4406900"/>
-            <a:ext cx="7772400" cy="1362075"/>
-          </a:xfrm>
-        </p:spPr>
+        <p:spPr/>
         <p:txBody>
           <a:bodyPr/>
           <a:lstStyle/>
@@ -3901,7 +3712,32 @@
             </a:pPr>
             <a:r>
               <a:rPr/>
-              <a:t>Требования</a:t>
+              <a:t>Выводы</a:t>
+            </a:r>
+          </a:p>
+        </p:txBody>
+      </p:sp>
+      <p:sp>
+        <p:nvSpPr>
+          <p:cNvPr id="3" name="Content Placeholder 2"/>
+          <p:cNvSpPr>
+            <a:spLocks noGrp="1"/>
+          </p:cNvSpPr>
+          <p:nvPr>
+            <p:ph idx="1"/>
+          </p:nvPr>
+        </p:nvSpPr>
+        <p:spPr/>
+        <p:txBody>
+          <a:bodyPr/>
+          <a:lstStyle/>
+          <a:p>
+            <a:pPr lvl="0" marL="0" indent="0">
+              <a:buNone/>
+            </a:pPr>
+            <a:r>
+              <a:rPr/>
+              <a:t>В ходе выполнения данной лабораторной работы я освоила основные возможности командной оболочки Midnight Commander, приобрела навыки практической работы по просмотру каталогов и файлов; манипуляций с ними.</a:t>
             </a:r>
           </a:p>
         </p:txBody>
@@ -3930,12 +3766,12 @@
       </p:grpSpPr>
       <p:sp>
         <p:nvSpPr>
-          <p:cNvPr id="2" name="Title 1"/>
-          <p:cNvSpPr>
-            <a:spLocks noGrp="1"/>
-          </p:cNvSpPr>
-          <p:nvPr>
-            <p:ph type="title"/>
+          <p:cNvPr id="3" name="Content Placeholder 2"/>
+          <p:cNvSpPr>
+            <a:spLocks noGrp="1"/>
+          </p:cNvSpPr>
+          <p:nvPr>
+            <p:ph idx="1"/>
           </p:nvPr>
         </p:nvSpPr>
         <p:spPr/>
@@ -3948,339 +3784,7 @@
             </a:pPr>
             <a:r>
               <a:rPr/>
-              <a:t>Понимание</a:t>
-            </a:r>
-            <a:r>
-              <a:rPr/>
-              <a:t> </a:t>
-            </a:r>
-            <a:r>
-              <a:rPr/>
-              <a:t>задачи</a:t>
-            </a:r>
-          </a:p>
-        </p:txBody>
-      </p:sp>
-      <p:sp>
-        <p:nvSpPr>
-          <p:cNvPr id="3" name="Content Placeholder 2"/>
-          <p:cNvSpPr>
-            <a:spLocks noGrp="1"/>
-          </p:cNvSpPr>
-          <p:nvPr>
-            <p:ph idx="1"/>
-          </p:nvPr>
-        </p:nvSpPr>
-        <p:spPr/>
-        <p:txBody>
-          <a:bodyPr/>
-          <a:lstStyle/>
-          <a:p>
-            <a:pPr lvl="1"/>
-            <a:r>
-              <a:rPr/>
-              <a:t>Фундамент всей работы.</a:t>
-            </a:r>
-          </a:p>
-          <a:p>
-            <a:pPr lvl="1"/>
-            <a:r>
-              <a:rPr/>
-              <a:t>Необходимо четко определить цель исследования.</a:t>
-            </a:r>
-          </a:p>
-          <a:p>
-            <a:pPr lvl="1"/>
-            <a:r>
-              <a:rPr/>
-              <a:t>Что является проблемой?</a:t>
-            </a:r>
-          </a:p>
-          <a:p>
-            <a:pPr lvl="1"/>
-            <a:r>
-              <a:rPr/>
-              <a:t>По каким метрикам будет оцениваться успешность?</a:t>
-            </a:r>
-          </a:p>
-        </p:txBody>
-      </p:sp>
-    </p:spTree>
-  </p:cSld>
-</p:sld>
-</file>
-
-<file path=ppt/slides/slide17.xml><?xml version="1.0" encoding="utf-8"?>
-<p:sld xmlns:a="http://schemas.openxmlformats.org/drawingml/2006/main" xmlns:r="http://schemas.openxmlformats.org/officeDocument/2006/relationships" xmlns:p="http://schemas.openxmlformats.org/presentationml/2006/main">
-  <p:cSld>
-    <p:spTree>
-      <p:nvGrpSpPr>
-        <p:cNvPr id="1" name=""/>
-        <p:cNvGrpSpPr/>
-        <p:nvPr/>
-      </p:nvGrpSpPr>
-      <p:grpSpPr>
-        <a:xfrm>
-          <a:off x="0" y="0"/>
-          <a:ext cx="0" cy="0"/>
-          <a:chOff x="0" y="0"/>
-          <a:chExt cx="0" cy="0"/>
-        </a:xfrm>
-      </p:grpSpPr>
-      <p:sp>
-        <p:nvSpPr>
-          <p:cNvPr id="2" name="Title 1"/>
-          <p:cNvSpPr>
-            <a:spLocks noGrp="1"/>
-          </p:cNvSpPr>
-          <p:nvPr>
-            <p:ph type="title"/>
-          </p:nvPr>
-        </p:nvSpPr>
-        <p:spPr/>
-        <p:txBody>
-          <a:bodyPr/>
-          <a:lstStyle/>
-          <a:p>
-            <a:pPr lvl="0" marL="0" indent="0">
-              <a:buNone/>
-            </a:pPr>
-            <a:r>
-              <a:rPr/>
-              <a:t>Выбор</a:t>
-            </a:r>
-            <a:r>
-              <a:rPr/>
-              <a:t> </a:t>
-            </a:r>
-            <a:r>
-              <a:rPr/>
-              <a:t>аналитического</a:t>
-            </a:r>
-            <a:r>
-              <a:rPr/>
-              <a:t> </a:t>
-            </a:r>
-            <a:r>
-              <a:rPr/>
-              <a:t>подхода</a:t>
-            </a:r>
-          </a:p>
-        </p:txBody>
-      </p:sp>
-      <p:sp>
-        <p:nvSpPr>
-          <p:cNvPr id="3" name="Content Placeholder 2"/>
-          <p:cNvSpPr>
-            <a:spLocks noGrp="1"/>
-          </p:cNvSpPr>
-          <p:nvPr>
-            <p:ph idx="1"/>
-          </p:nvPr>
-        </p:nvSpPr>
-        <p:spPr/>
-        <p:txBody>
-          <a:bodyPr/>
-          <a:lstStyle/>
-          <a:p>
-            <a:pPr lvl="1"/>
-            <a:r>
-              <a:rPr/>
-              <a:t>Выбор подхода зависит от того, какой тип ответа нужно получить в итоге:</a:t>
-            </a:r>
-          </a:p>
-          <a:p>
-            <a:pPr lvl="2"/>
-            <a:r>
-              <a:rPr/>
-              <a:t>если нужен ответ вида да/нет, подойдёт байесовский классификатор;</a:t>
-            </a:r>
-          </a:p>
-          <a:p>
-            <a:pPr lvl="2"/>
-            <a:r>
-              <a:rPr/>
-              <a:t>если нужен ответ в виде численного признака, то подойдут регрессионные модели;</a:t>
-            </a:r>
-          </a:p>
-          <a:p>
-            <a:pPr lvl="2"/>
-            <a:r>
-              <a:rPr/>
-              <a:t>если нужно определить вероятности определённых исходов, необходимо использовать предиктивную модель;</a:t>
-            </a:r>
-          </a:p>
-          <a:p>
-            <a:pPr lvl="2"/>
-            <a:r>
-              <a:rPr/>
-              <a:t>если нужно выявить связи, используется дескриптивный подход.</a:t>
-            </a:r>
-          </a:p>
-        </p:txBody>
-      </p:sp>
-    </p:spTree>
-  </p:cSld>
-</p:sld>
-</file>
-
-<file path=ppt/slides/slide18.xml><?xml version="1.0" encoding="utf-8"?>
-<p:sld xmlns:a="http://schemas.openxmlformats.org/drawingml/2006/main" xmlns:r="http://schemas.openxmlformats.org/officeDocument/2006/relationships" xmlns:p="http://schemas.openxmlformats.org/presentationml/2006/main">
-  <p:cSld>
-    <p:spTree>
-      <p:nvGrpSpPr>
-        <p:cNvPr id="1" name=""/>
-        <p:cNvGrpSpPr/>
-        <p:nvPr/>
-      </p:nvGrpSpPr>
-      <p:grpSpPr>
-        <a:xfrm>
-          <a:off x="0" y="0"/>
-          <a:ext cx="0" cy="0"/>
-          <a:chOff x="0" y="0"/>
-          <a:chExt cx="0" cy="0"/>
-        </a:xfrm>
-      </p:grpSpPr>
-      <p:sp>
-        <p:nvSpPr>
-          <p:cNvPr id="2" name="Title 1"/>
-          <p:cNvSpPr>
-            <a:spLocks noGrp="1"/>
-          </p:cNvSpPr>
-          <p:nvPr>
-            <p:ph type="title"/>
-          </p:nvPr>
-        </p:nvSpPr>
-        <p:spPr/>
-        <p:txBody>
-          <a:bodyPr/>
-          <a:lstStyle/>
-          <a:p>
-            <a:pPr lvl="0" marL="0" indent="0">
-              <a:buNone/>
-            </a:pPr>
-            <a:r>
-              <a:rPr/>
-              <a:t>Требования</a:t>
-            </a:r>
-            <a:r>
-              <a:rPr/>
-              <a:t> </a:t>
-            </a:r>
-            <a:r>
-              <a:rPr/>
-              <a:t>к</a:t>
-            </a:r>
-            <a:r>
-              <a:rPr/>
-              <a:t> </a:t>
-            </a:r>
-            <a:r>
-              <a:rPr/>
-              <a:t>данным</a:t>
-            </a:r>
-          </a:p>
-        </p:txBody>
-      </p:sp>
-      <p:sp>
-        <p:nvSpPr>
-          <p:cNvPr id="3" name="Content Placeholder 2"/>
-          <p:cNvSpPr>
-            <a:spLocks noGrp="1"/>
-          </p:cNvSpPr>
-          <p:nvPr>
-            <p:ph idx="1"/>
-          </p:nvPr>
-        </p:nvSpPr>
-        <p:spPr/>
-        <p:txBody>
-          <a:bodyPr/>
-          <a:lstStyle/>
-          <a:p>
-            <a:pPr lvl="1"/>
-            <a:r>
-              <a:rPr/>
-              <a:t>Какие данные позволят дать искомый ответ?</a:t>
-            </a:r>
-          </a:p>
-          <a:p>
-            <a:pPr lvl="1"/>
-            <a:r>
-              <a:rPr/>
-              <a:t>Требования к данным:</a:t>
-            </a:r>
-          </a:p>
-          <a:p>
-            <a:pPr lvl="2"/>
-            <a:r>
-              <a:rPr/>
-              <a:t>контент;</a:t>
-            </a:r>
-          </a:p>
-          <a:p>
-            <a:pPr lvl="2"/>
-            <a:r>
-              <a:rPr/>
-              <a:t>форматы данных;</a:t>
-            </a:r>
-          </a:p>
-          <a:p>
-            <a:pPr lvl="2"/>
-            <a:r>
-              <a:rPr/>
-              <a:t>источники данных.</a:t>
-            </a:r>
-          </a:p>
-        </p:txBody>
-      </p:sp>
-    </p:spTree>
-  </p:cSld>
-</p:sld>
-</file>
-
-<file path=ppt/slides/slide19.xml><?xml version="1.0" encoding="utf-8"?>
-<p:sld xmlns:a="http://schemas.openxmlformats.org/drawingml/2006/main" xmlns:r="http://schemas.openxmlformats.org/officeDocument/2006/relationships" xmlns:p="http://schemas.openxmlformats.org/presentationml/2006/main">
-  <p:cSld>
-    <p:spTree>
-      <p:nvGrpSpPr>
-        <p:cNvPr id="1" name=""/>
-        <p:cNvGrpSpPr/>
-        <p:nvPr/>
-      </p:nvGrpSpPr>
-      <p:grpSpPr>
-        <a:xfrm>
-          <a:off x="0" y="0"/>
-          <a:ext cx="0" cy="0"/>
-          <a:chOff x="0" y="0"/>
-          <a:chExt cx="0" cy="0"/>
-        </a:xfrm>
-      </p:grpSpPr>
-      <p:sp>
-        <p:nvSpPr>
-          <p:cNvPr id="2" name="Title 1"/>
-          <p:cNvSpPr>
-            <a:spLocks noGrp="1"/>
-          </p:cNvSpPr>
-          <p:nvPr>
-            <p:ph type="title"/>
-          </p:nvPr>
-        </p:nvSpPr>
-        <p:spPr>
-          <a:xfrm>
-            <a:off x="722313" y="4406900"/>
-            <a:ext cx="7772400" cy="1362075"/>
-          </a:xfrm>
-        </p:spPr>
-        <p:txBody>
-          <a:bodyPr/>
-          <a:lstStyle/>
-          <a:p>
-            <a:pPr lvl="0" marL="0" indent="0">
-              <a:buNone/>
-            </a:pPr>
-            <a:r>
-              <a:rPr/>
-              <a:t>Данные</a:t>
+              <a:t>Спасибо за внимание!</a:t>
             </a:r>
           </a:p>
         </p:txBody>
@@ -4332,54 +3836,7 @@
             </a:pPr>
             <a:r>
               <a:rPr/>
-              <a:t>Технологии</a:t>
-            </a:r>
-          </a:p>
-        </p:txBody>
-      </p:sp>
-    </p:spTree>
-  </p:cSld>
-</p:sld>
-</file>
-
-<file path=ppt/slides/slide20.xml><?xml version="1.0" encoding="utf-8"?>
-<p:sld xmlns:a="http://schemas.openxmlformats.org/drawingml/2006/main" xmlns:r="http://schemas.openxmlformats.org/officeDocument/2006/relationships" xmlns:p="http://schemas.openxmlformats.org/presentationml/2006/main">
-  <p:cSld>
-    <p:spTree>
-      <p:nvGrpSpPr>
-        <p:cNvPr id="1" name=""/>
-        <p:cNvGrpSpPr/>
-        <p:nvPr/>
-      </p:nvGrpSpPr>
-      <p:grpSpPr>
-        <a:xfrm>
-          <a:off x="0" y="0"/>
-          <a:ext cx="0" cy="0"/>
-          <a:chOff x="0" y="0"/>
-          <a:chExt cx="0" cy="0"/>
-        </a:xfrm>
-      </p:grpSpPr>
-      <p:sp>
-        <p:nvSpPr>
-          <p:cNvPr id="2" name="Title 1"/>
-          <p:cNvSpPr>
-            <a:spLocks noGrp="1"/>
-          </p:cNvSpPr>
-          <p:nvPr>
-            <p:ph type="title"/>
-          </p:nvPr>
-        </p:nvSpPr>
-        <p:spPr/>
-        <p:txBody>
-          <a:bodyPr/>
-          <a:lstStyle/>
-          <a:p>
-            <a:pPr lvl="0" marL="0" indent="0">
-              <a:buNone/>
-            </a:pPr>
-            <a:r>
-              <a:rPr/>
-              <a:t>Сбор</a:t>
+              <a:t>Отчет</a:t>
             </a:r>
             <a:r>
               <a:rPr/>
@@ -4387,133 +3844,7 @@
             </a:r>
             <a:r>
               <a:rPr/>
-              <a:t>данных</a:t>
-            </a:r>
-          </a:p>
-        </p:txBody>
-      </p:sp>
-      <p:sp>
-        <p:nvSpPr>
-          <p:cNvPr id="3" name="Content Placeholder 2"/>
-          <p:cNvSpPr>
-            <a:spLocks noGrp="1"/>
-          </p:cNvSpPr>
-          <p:nvPr>
-            <p:ph idx="1"/>
-          </p:nvPr>
-        </p:nvSpPr>
-        <p:spPr/>
-        <p:txBody>
-          <a:bodyPr/>
-          <a:lstStyle/>
-          <a:p>
-            <a:pPr lvl="1"/>
-            <a:r>
-              <a:rPr/>
-              <a:t>Мы выполняем сбор данных из имеющихся источников.</a:t>
-            </a:r>
-          </a:p>
-          <a:p>
-            <a:pPr lvl="1"/>
-            <a:r>
-              <a:rPr/>
-              <a:t>Убеждаемся, что источники:</a:t>
-            </a:r>
-          </a:p>
-          <a:p>
-            <a:pPr lvl="2"/>
-            <a:r>
-              <a:rPr/>
-              <a:t>доступны;</a:t>
-            </a:r>
-          </a:p>
-          <a:p>
-            <a:pPr lvl="2"/>
-            <a:r>
-              <a:rPr/>
-              <a:t>надёжны;</a:t>
-            </a:r>
-          </a:p>
-          <a:p>
-            <a:pPr lvl="2"/>
-            <a:r>
-              <a:rPr/>
-              <a:t>могут быть использованы для получения искомых данных в требуемом качестве.</a:t>
-            </a:r>
-          </a:p>
-          <a:p>
-            <a:pPr lvl="1"/>
-            <a:r>
-              <a:rPr/>
-              <a:t>Необходимо понять, получили ли мы те данные, какие хотели.</a:t>
-            </a:r>
-          </a:p>
-          <a:p>
-            <a:pPr lvl="1"/>
-            <a:r>
-              <a:rPr/>
-              <a:t>Пересмотр требований к данным.</a:t>
-            </a:r>
-          </a:p>
-          <a:p>
-            <a:pPr lvl="1"/>
-            <a:r>
-              <a:rPr/>
-              <a:t>Принятие решения о необходимости дополнительных данных.</a:t>
-            </a:r>
-          </a:p>
-          <a:p>
-            <a:pPr lvl="1"/>
-            <a:r>
-              <a:rPr/>
-              <a:t>Нахождение замены недостающим данным.</a:t>
-            </a:r>
-          </a:p>
-        </p:txBody>
-      </p:sp>
-    </p:spTree>
-  </p:cSld>
-</p:sld>
-</file>
-
-<file path=ppt/slides/slide21.xml><?xml version="1.0" encoding="utf-8"?>
-<p:sld xmlns:a="http://schemas.openxmlformats.org/drawingml/2006/main" xmlns:r="http://schemas.openxmlformats.org/officeDocument/2006/relationships" xmlns:p="http://schemas.openxmlformats.org/presentationml/2006/main">
-  <p:cSld>
-    <p:spTree>
-      <p:nvGrpSpPr>
-        <p:cNvPr id="1" name=""/>
-        <p:cNvGrpSpPr/>
-        <p:nvPr/>
-      </p:nvGrpSpPr>
-      <p:grpSpPr>
-        <a:xfrm>
-          <a:off x="0" y="0"/>
-          <a:ext cx="0" cy="0"/>
-          <a:chOff x="0" y="0"/>
-          <a:chExt cx="0" cy="0"/>
-        </a:xfrm>
-      </p:grpSpPr>
-      <p:sp>
-        <p:nvSpPr>
-          <p:cNvPr id="2" name="Title 1"/>
-          <p:cNvSpPr>
-            <a:spLocks noGrp="1"/>
-          </p:cNvSpPr>
-          <p:nvPr>
-            <p:ph type="title"/>
-          </p:nvPr>
-        </p:nvSpPr>
-        <p:spPr/>
-        <p:txBody>
-          <a:bodyPr/>
-          <a:lstStyle/>
-          <a:p>
-            <a:pPr lvl="0" marL="0" indent="0">
-              <a:buNone/>
-            </a:pPr>
-            <a:r>
-              <a:rPr/>
-              <a:t>Анализ</a:t>
+              <a:t>по</a:t>
             </a:r>
             <a:r>
               <a:rPr/>
@@ -4521,112 +3852,7 @@
             </a:r>
             <a:r>
               <a:rPr/>
-              <a:t>данных</a:t>
-            </a:r>
-          </a:p>
-        </p:txBody>
-      </p:sp>
-      <p:sp>
-        <p:nvSpPr>
-          <p:cNvPr id="3" name="Content Placeholder 2"/>
-          <p:cNvSpPr>
-            <a:spLocks noGrp="1"/>
-          </p:cNvSpPr>
-          <p:nvPr>
-            <p:ph idx="1"/>
-          </p:nvPr>
-        </p:nvSpPr>
-        <p:spPr/>
-        <p:txBody>
-          <a:bodyPr/>
-          <a:lstStyle/>
-          <a:p>
-            <a:pPr lvl="1"/>
-            <a:r>
-              <a:rPr/>
-              <a:t>Репрезентативны ли собранные данные относительно поставленной задачи?</a:t>
-            </a:r>
-          </a:p>
-          <a:p>
-            <a:pPr lvl="1"/>
-            <a:r>
-              <a:rPr/>
-              <a:t>Описательная статистика применяется ко всем переменным, которые будут использоваться в выбранной модели:</a:t>
-            </a:r>
-          </a:p>
-          <a:p>
-            <a:pPr lvl="2"/>
-            <a:r>
-              <a:rPr/>
-              <a:t>исследуется центральное положение (среднее, медиана, мода);</a:t>
-            </a:r>
-          </a:p>
-          <a:p>
-            <a:pPr lvl="2"/>
-            <a:r>
-              <a:rPr/>
-              <a:t>ищутся выбросы и выполняется оценка вариабельности (дисперсия, стандартное отклонение);</a:t>
-            </a:r>
-          </a:p>
-          <a:p>
-            <a:pPr lvl="2"/>
-            <a:r>
-              <a:rPr/>
-              <a:t>строятся гистограммы распределения переменных;</a:t>
-            </a:r>
-          </a:p>
-          <a:p>
-            <a:pPr lvl="2"/>
-            <a:r>
-              <a:rPr/>
-              <a:t>применяются другие инструменты визуализации (например, ящики с усами).</a:t>
-            </a:r>
-          </a:p>
-        </p:txBody>
-      </p:sp>
-    </p:spTree>
-  </p:cSld>
-</p:sld>
-</file>
-
-<file path=ppt/slides/slide22.xml><?xml version="1.0" encoding="utf-8"?>
-<p:sld xmlns:a="http://schemas.openxmlformats.org/drawingml/2006/main" xmlns:r="http://schemas.openxmlformats.org/officeDocument/2006/relationships" xmlns:p="http://schemas.openxmlformats.org/presentationml/2006/main">
-  <p:cSld>
-    <p:spTree>
-      <p:nvGrpSpPr>
-        <p:cNvPr id="1" name=""/>
-        <p:cNvGrpSpPr/>
-        <p:nvPr/>
-      </p:nvGrpSpPr>
-      <p:grpSpPr>
-        <a:xfrm>
-          <a:off x="0" y="0"/>
-          <a:ext cx="0" cy="0"/>
-          <a:chOff x="0" y="0"/>
-          <a:chExt cx="0" cy="0"/>
-        </a:xfrm>
-      </p:grpSpPr>
-      <p:sp>
-        <p:nvSpPr>
-          <p:cNvPr id="2" name="Title 1"/>
-          <p:cNvSpPr>
-            <a:spLocks noGrp="1"/>
-          </p:cNvSpPr>
-          <p:nvPr>
-            <p:ph type="title"/>
-          </p:nvPr>
-        </p:nvSpPr>
-        <p:spPr/>
-        <p:txBody>
-          <a:bodyPr/>
-          <a:lstStyle/>
-          <a:p>
-            <a:pPr lvl="0" marL="0" indent="0">
-              <a:buNone/>
-            </a:pPr>
-            <a:r>
-              <a:rPr/>
-              <a:t>Анализ</a:t>
+              <a:t>лабораторной</a:t>
             </a:r>
             <a:r>
               <a:rPr/>
@@ -4634,84 +3860,7 @@
             </a:r>
             <a:r>
               <a:rPr/>
-              <a:t>данных</a:t>
-            </a:r>
-          </a:p>
-        </p:txBody>
-      </p:sp>
-      <p:sp>
-        <p:nvSpPr>
-          <p:cNvPr id="3" name="Content Placeholder 2"/>
-          <p:cNvSpPr>
-            <a:spLocks noGrp="1"/>
-          </p:cNvSpPr>
-          <p:nvPr>
-            <p:ph idx="1"/>
-          </p:nvPr>
-        </p:nvSpPr>
-        <p:spPr/>
-        <p:txBody>
-          <a:bodyPr/>
-          <a:lstStyle/>
-          <a:p>
-            <a:pPr lvl="1"/>
-            <a:r>
-              <a:rPr/>
-              <a:t>Вычисляются корреляции между переменными.</a:t>
-            </a:r>
-          </a:p>
-          <a:p>
-            <a:pPr lvl="1"/>
-            <a:r>
-              <a:rPr/>
-              <a:t>Если найдутся значительные корреляции между переменными, некоторые переменные могут быть отброшены, как избыточные.</a:t>
-            </a:r>
-          </a:p>
-        </p:txBody>
-      </p:sp>
-    </p:spTree>
-  </p:cSld>
-</p:sld>
-</file>
-
-<file path=ppt/slides/slide23.xml><?xml version="1.0" encoding="utf-8"?>
-<p:sld xmlns:a="http://schemas.openxmlformats.org/drawingml/2006/main" xmlns:r="http://schemas.openxmlformats.org/officeDocument/2006/relationships" xmlns:p="http://schemas.openxmlformats.org/presentationml/2006/main">
-  <p:cSld>
-    <p:spTree>
-      <p:nvGrpSpPr>
-        <p:cNvPr id="1" name=""/>
-        <p:cNvGrpSpPr/>
-        <p:nvPr/>
-      </p:nvGrpSpPr>
-      <p:grpSpPr>
-        <a:xfrm>
-          <a:off x="0" y="0"/>
-          <a:ext cx="0" cy="0"/>
-          <a:chOff x="0" y="0"/>
-          <a:chExt cx="0" cy="0"/>
-        </a:xfrm>
-      </p:grpSpPr>
-      <p:sp>
-        <p:nvSpPr>
-          <p:cNvPr id="2" name="Title 1"/>
-          <p:cNvSpPr>
-            <a:spLocks noGrp="1"/>
-          </p:cNvSpPr>
-          <p:nvPr>
-            <p:ph type="title"/>
-          </p:nvPr>
-        </p:nvSpPr>
-        <p:spPr/>
-        <p:txBody>
-          <a:bodyPr/>
-          <a:lstStyle/>
-          <a:p>
-            <a:pPr lvl="0" marL="0" indent="0">
-              <a:buNone/>
-            </a:pPr>
-            <a:r>
-              <a:rPr/>
-              <a:t>Подготовка</a:t>
+              <a:t>работе</a:t>
             </a:r>
             <a:r>
               <a:rPr/>
@@ -4719,565 +3868,7 @@
             </a:r>
             <a:r>
               <a:rPr/>
-              <a:t>данных</a:t>
-            </a:r>
-          </a:p>
-        </p:txBody>
-      </p:sp>
-      <p:sp>
-        <p:nvSpPr>
-          <p:cNvPr id="3" name="Content Placeholder 2"/>
-          <p:cNvSpPr>
-            <a:spLocks noGrp="1"/>
-          </p:cNvSpPr>
-          <p:nvPr>
-            <p:ph idx="1"/>
-          </p:nvPr>
-        </p:nvSpPr>
-        <p:spPr/>
-        <p:txBody>
-          <a:bodyPr/>
-          <a:lstStyle/>
-          <a:p>
-            <a:pPr lvl="0" marL="0" indent="0">
-              <a:buNone/>
-            </a:pPr>
-            <a:r>
-              <a:rPr/>
-              <a:t>Сбор и анализ данных + подготовка данных = 70%–90% времени проекта.</a:t>
-            </a:r>
-          </a:p>
-        </p:txBody>
-      </p:sp>
-    </p:spTree>
-  </p:cSld>
-</p:sld>
-</file>
-
-<file path=ppt/slides/slide24.xml><?xml version="1.0" encoding="utf-8"?>
-<p:sld xmlns:a="http://schemas.openxmlformats.org/drawingml/2006/main" xmlns:r="http://schemas.openxmlformats.org/officeDocument/2006/relationships" xmlns:p="http://schemas.openxmlformats.org/presentationml/2006/main">
-  <p:cSld>
-    <p:spTree>
-      <p:nvGrpSpPr>
-        <p:cNvPr id="1" name=""/>
-        <p:cNvGrpSpPr/>
-        <p:nvPr/>
-      </p:nvGrpSpPr>
-      <p:grpSpPr>
-        <a:xfrm>
-          <a:off x="0" y="0"/>
-          <a:ext cx="0" cy="0"/>
-          <a:chOff x="0" y="0"/>
-          <a:chExt cx="0" cy="0"/>
-        </a:xfrm>
-      </p:grpSpPr>
-      <p:sp>
-        <p:nvSpPr>
-          <p:cNvPr id="2" name="Title 1"/>
-          <p:cNvSpPr>
-            <a:spLocks noGrp="1"/>
-          </p:cNvSpPr>
-          <p:nvPr>
-            <p:ph type="title"/>
-          </p:nvPr>
-        </p:nvSpPr>
-        <p:spPr/>
-        <p:txBody>
-          <a:bodyPr/>
-          <a:lstStyle/>
-          <a:p>
-            <a:pPr lvl="0" marL="0" indent="0">
-              <a:buNone/>
-            </a:pPr>
-            <a:r>
-              <a:rPr/>
-              <a:t>Подготовка</a:t>
-            </a:r>
-            <a:r>
-              <a:rPr/>
-              <a:t> </a:t>
-            </a:r>
-            <a:r>
-              <a:rPr/>
-              <a:t>данных</a:t>
-            </a:r>
-          </a:p>
-        </p:txBody>
-      </p:sp>
-      <p:sp>
-        <p:nvSpPr>
-          <p:cNvPr id="3" name="Content Placeholder 2"/>
-          <p:cNvSpPr>
-            <a:spLocks noGrp="1"/>
-          </p:cNvSpPr>
-          <p:nvPr>
-            <p:ph idx="1"/>
-          </p:nvPr>
-        </p:nvSpPr>
-        <p:spPr/>
-        <p:txBody>
-          <a:bodyPr/>
-          <a:lstStyle/>
-          <a:p>
-            <a:pPr lvl="1"/>
-            <a:r>
-              <a:rPr/>
-              <a:t>Мы перерабатываем данные в такую форму, чтобы с ними было удобно работать:</a:t>
-            </a:r>
-          </a:p>
-          <a:p>
-            <a:pPr lvl="2"/>
-            <a:r>
-              <a:rPr/>
-              <a:t>удаляем дубликаты;</a:t>
-            </a:r>
-          </a:p>
-          <a:p>
-            <a:pPr lvl="2"/>
-            <a:r>
-              <a:rPr/>
-              <a:t>обрабатываем отсутствующие или неверные данные;</a:t>
-            </a:r>
-          </a:p>
-          <a:p>
-            <a:pPr lvl="2"/>
-            <a:r>
-              <a:rPr/>
-              <a:t>проверяем и исправляем ошибки форматирования.</a:t>
-            </a:r>
-          </a:p>
-          <a:p>
-            <a:pPr lvl="1"/>
-            <a:r>
-              <a:rPr/>
-              <a:t>Мы конструируем набор факторов, с которым на следующих этапах будет работать машинное обучение:</a:t>
-            </a:r>
-          </a:p>
-          <a:p>
-            <a:pPr lvl="2"/>
-            <a:r>
-              <a:rPr/>
-              <a:t>извлечение признаков;</a:t>
-            </a:r>
-          </a:p>
-          <a:p>
-            <a:pPr lvl="2"/>
-            <a:r>
-              <a:rPr/>
-              <a:t>отбор признаков.</a:t>
-            </a:r>
-          </a:p>
-          <a:p>
-            <a:pPr lvl="1"/>
-            <a:r>
-              <a:rPr/>
-              <a:t>Ошибки на этом этапе могут оказаться критическими.</a:t>
-            </a:r>
-          </a:p>
-          <a:p>
-            <a:pPr lvl="2"/>
-            <a:r>
-              <a:rPr/>
-              <a:t>Избыточное количество признаков = модель переобучена.</a:t>
-            </a:r>
-          </a:p>
-          <a:p>
-            <a:pPr lvl="2"/>
-            <a:r>
-              <a:rPr/>
-              <a:t>Недостаточное количество признаков = модель недообучена.</a:t>
-            </a:r>
-          </a:p>
-        </p:txBody>
-      </p:sp>
-    </p:spTree>
-  </p:cSld>
-</p:sld>
-</file>
-
-<file path=ppt/slides/slide25.xml><?xml version="1.0" encoding="utf-8"?>
-<p:sld xmlns:a="http://schemas.openxmlformats.org/drawingml/2006/main" xmlns:r="http://schemas.openxmlformats.org/officeDocument/2006/relationships" xmlns:p="http://schemas.openxmlformats.org/presentationml/2006/main">
-  <p:cSld>
-    <p:spTree>
-      <p:nvGrpSpPr>
-        <p:cNvPr id="1" name=""/>
-        <p:cNvGrpSpPr/>
-        <p:nvPr/>
-      </p:nvGrpSpPr>
-      <p:grpSpPr>
-        <a:xfrm>
-          <a:off x="0" y="0"/>
-          <a:ext cx="0" cy="0"/>
-          <a:chOff x="0" y="0"/>
-          <a:chExt cx="0" cy="0"/>
-        </a:xfrm>
-      </p:grpSpPr>
-      <p:sp>
-        <p:nvSpPr>
-          <p:cNvPr id="2" name="Title 1"/>
-          <p:cNvSpPr>
-            <a:spLocks noGrp="1"/>
-          </p:cNvSpPr>
-          <p:nvPr>
-            <p:ph type="title"/>
-          </p:nvPr>
-        </p:nvSpPr>
-        <p:spPr>
-          <a:xfrm>
-            <a:off x="722313" y="4406900"/>
-            <a:ext cx="7772400" cy="1362075"/>
-          </a:xfrm>
-        </p:spPr>
-        <p:txBody>
-          <a:bodyPr/>
-          <a:lstStyle/>
-          <a:p>
-            <a:pPr lvl="0" marL="0" indent="0">
-              <a:buNone/>
-            </a:pPr>
-            <a:r>
-              <a:rPr/>
-              <a:t>Разработка</a:t>
-            </a:r>
-            <a:r>
-              <a:rPr/>
-              <a:t> </a:t>
-            </a:r>
-            <a:r>
-              <a:rPr/>
-              <a:t>и</a:t>
-            </a:r>
-            <a:r>
-              <a:rPr/>
-              <a:t> </a:t>
-            </a:r>
-            <a:r>
-              <a:rPr/>
-              <a:t>внедрение</a:t>
-            </a:r>
-          </a:p>
-        </p:txBody>
-      </p:sp>
-    </p:spTree>
-  </p:cSld>
-</p:sld>
-</file>
-
-<file path=ppt/slides/slide26.xml><?xml version="1.0" encoding="utf-8"?>
-<p:sld xmlns:a="http://schemas.openxmlformats.org/drawingml/2006/main" xmlns:r="http://schemas.openxmlformats.org/officeDocument/2006/relationships" xmlns:p="http://schemas.openxmlformats.org/presentationml/2006/main">
-  <p:cSld>
-    <p:spTree>
-      <p:nvGrpSpPr>
-        <p:cNvPr id="1" name=""/>
-        <p:cNvGrpSpPr/>
-        <p:nvPr/>
-      </p:nvGrpSpPr>
-      <p:grpSpPr>
-        <a:xfrm>
-          <a:off x="0" y="0"/>
-          <a:ext cx="0" cy="0"/>
-          <a:chOff x="0" y="0"/>
-          <a:chExt cx="0" cy="0"/>
-        </a:xfrm>
-      </p:grpSpPr>
-      <p:sp>
-        <p:nvSpPr>
-          <p:cNvPr id="2" name="Title 1"/>
-          <p:cNvSpPr>
-            <a:spLocks noGrp="1"/>
-          </p:cNvSpPr>
-          <p:nvPr>
-            <p:ph type="title"/>
-          </p:nvPr>
-        </p:nvSpPr>
-        <p:spPr/>
-        <p:txBody>
-          <a:bodyPr/>
-          <a:lstStyle/>
-          <a:p>
-            <a:pPr lvl="0" marL="0" indent="0">
-              <a:buNone/>
-            </a:pPr>
-            <a:r>
-              <a:rPr/>
-              <a:t>Построение</a:t>
-            </a:r>
-            <a:r>
-              <a:rPr/>
-              <a:t> </a:t>
-            </a:r>
-            <a:r>
-              <a:rPr/>
-              <a:t>модели</a:t>
-            </a:r>
-          </a:p>
-        </p:txBody>
-      </p:sp>
-      <p:sp>
-        <p:nvSpPr>
-          <p:cNvPr id="3" name="Content Placeholder 2"/>
-          <p:cNvSpPr>
-            <a:spLocks noGrp="1"/>
-          </p:cNvSpPr>
-          <p:nvPr>
-            <p:ph idx="1"/>
-          </p:nvPr>
-        </p:nvSpPr>
-        <p:spPr/>
-        <p:txBody>
-          <a:bodyPr/>
-          <a:lstStyle/>
-          <a:p>
-            <a:pPr lvl="0" marL="0" indent="0">
-              <a:buNone/>
-            </a:pPr>
-            <a:r>
-              <a:rPr/>
-              <a:t>Когда тип модели определён и имеется обучающая выборка, мы разрабатываем модель и проверяем её на наборе признаков.</a:t>
-            </a:r>
-          </a:p>
-        </p:txBody>
-      </p:sp>
-    </p:spTree>
-  </p:cSld>
-</p:sld>
-</file>
-
-<file path=ppt/slides/slide27.xml><?xml version="1.0" encoding="utf-8"?>
-<p:sld xmlns:a="http://schemas.openxmlformats.org/drawingml/2006/main" xmlns:r="http://schemas.openxmlformats.org/officeDocument/2006/relationships" xmlns:p="http://schemas.openxmlformats.org/presentationml/2006/main">
-  <p:cSld>
-    <p:spTree>
-      <p:nvGrpSpPr>
-        <p:cNvPr id="1" name=""/>
-        <p:cNvGrpSpPr/>
-        <p:nvPr/>
-      </p:nvGrpSpPr>
-      <p:grpSpPr>
-        <a:xfrm>
-          <a:off x="0" y="0"/>
-          <a:ext cx="0" cy="0"/>
-          <a:chOff x="0" y="0"/>
-          <a:chExt cx="0" cy="0"/>
-        </a:xfrm>
-      </p:grpSpPr>
-      <p:sp>
-        <p:nvSpPr>
-          <p:cNvPr id="2" name="Title 1"/>
-          <p:cNvSpPr>
-            <a:spLocks noGrp="1"/>
-          </p:cNvSpPr>
-          <p:nvPr>
-            <p:ph type="title"/>
-          </p:nvPr>
-        </p:nvSpPr>
-        <p:spPr/>
-        <p:txBody>
-          <a:bodyPr/>
-          <a:lstStyle/>
-          <a:p>
-            <a:pPr lvl="0" marL="0" indent="0">
-              <a:buNone/>
-            </a:pPr>
-            <a:r>
-              <a:rPr/>
-              <a:t>Применение</a:t>
-            </a:r>
-            <a:r>
-              <a:rPr/>
-              <a:t> </a:t>
-            </a:r>
-            <a:r>
-              <a:rPr/>
-              <a:t>модели</a:t>
-            </a:r>
-          </a:p>
-        </p:txBody>
-      </p:sp>
-      <p:sp>
-        <p:nvSpPr>
-          <p:cNvPr id="3" name="Content Placeholder 2"/>
-          <p:cNvSpPr>
-            <a:spLocks noGrp="1"/>
-          </p:cNvSpPr>
-          <p:nvPr>
-            <p:ph idx="1"/>
-          </p:nvPr>
-        </p:nvSpPr>
-        <p:spPr/>
-        <p:txBody>
-          <a:bodyPr/>
-          <a:lstStyle/>
-          <a:p>
-            <a:pPr lvl="1"/>
-            <a:r>
-              <a:rPr/>
-              <a:t>Вычисления чередуются с настройкой модели.</a:t>
-            </a:r>
-          </a:p>
-          <a:p>
-            <a:pPr lvl="1"/>
-            <a:r>
-              <a:rPr/>
-              <a:t>Отвечает ли построенная модель исходной задаче?</a:t>
-            </a:r>
-          </a:p>
-          <a:p>
-            <a:pPr lvl="1"/>
-            <a:r>
-              <a:rPr/>
-              <a:t>Вычисление модели имеет две фазы:</a:t>
-            </a:r>
-          </a:p>
-          <a:p>
-            <a:pPr lvl="2"/>
-            <a:r>
-              <a:rPr/>
-              <a:t>проводятся диагностические измерения, которые помогают понять, работает ли модель, так как задумано;</a:t>
-            </a:r>
-          </a:p>
-          <a:p>
-            <a:pPr lvl="2"/>
-            <a:r>
-              <a:rPr/>
-              <a:t>проводится проверка статистической значимости гипотезы. Она необходима, чтобы убедиться, что данные в модели правильно используются и интерпретируются и полученный результат выходит за пределы статистической погрешности.</a:t>
-            </a:r>
-          </a:p>
-        </p:txBody>
-      </p:sp>
-    </p:spTree>
-  </p:cSld>
-</p:sld>
-</file>
-
-<file path=ppt/slides/slide28.xml><?xml version="1.0" encoding="utf-8"?>
-<p:sld xmlns:a="http://schemas.openxmlformats.org/drawingml/2006/main" xmlns:r="http://schemas.openxmlformats.org/officeDocument/2006/relationships" xmlns:p="http://schemas.openxmlformats.org/presentationml/2006/main">
-  <p:cSld>
-    <p:spTree>
-      <p:nvGrpSpPr>
-        <p:cNvPr id="1" name=""/>
-        <p:cNvGrpSpPr/>
-        <p:nvPr/>
-      </p:nvGrpSpPr>
-      <p:grpSpPr>
-        <a:xfrm>
-          <a:off x="0" y="0"/>
-          <a:ext cx="0" cy="0"/>
-          <a:chOff x="0" y="0"/>
-          <a:chExt cx="0" cy="0"/>
-        </a:xfrm>
-      </p:grpSpPr>
-      <p:sp>
-        <p:nvSpPr>
-          <p:cNvPr id="2" name="Title 1"/>
-          <p:cNvSpPr>
-            <a:spLocks noGrp="1"/>
-          </p:cNvSpPr>
-          <p:nvPr>
-            <p:ph type="title"/>
-          </p:nvPr>
-        </p:nvSpPr>
-        <p:spPr/>
-        <p:txBody>
-          <a:bodyPr/>
-          <a:lstStyle/>
-          <a:p>
-            <a:pPr lvl="0" marL="0" indent="0">
-              <a:buNone/>
-            </a:pPr>
-            <a:r>
-              <a:rPr/>
-              <a:t>Внедрение</a:t>
-            </a:r>
-          </a:p>
-        </p:txBody>
-      </p:sp>
-      <p:sp>
-        <p:nvSpPr>
-          <p:cNvPr id="3" name="Content Placeholder 2"/>
-          <p:cNvSpPr>
-            <a:spLocks noGrp="1"/>
-          </p:cNvSpPr>
-          <p:nvPr>
-            <p:ph idx="1"/>
-          </p:nvPr>
-        </p:nvSpPr>
-        <p:spPr/>
-        <p:txBody>
-          <a:bodyPr/>
-          <a:lstStyle/>
-          <a:p>
-            <a:pPr lvl="1"/>
-            <a:r>
-              <a:rPr/>
-              <a:t>Внедрение проводится поэтапно:</a:t>
-            </a:r>
-          </a:p>
-          <a:p>
-            <a:pPr lvl="2"/>
-            <a:r>
-              <a:rPr/>
-              <a:t>ограниченная группа пользователей;</a:t>
-            </a:r>
-          </a:p>
-          <a:p>
-            <a:pPr lvl="2"/>
-            <a:r>
-              <a:rPr/>
-              <a:t>тестовое окружение.</a:t>
-            </a:r>
-          </a:p>
-          <a:p>
-            <a:pPr lvl="1"/>
-            <a:r>
-              <a:rPr/>
-              <a:t>Система обратной связи.</a:t>
-            </a:r>
-          </a:p>
-        </p:txBody>
-      </p:sp>
-    </p:spTree>
-  </p:cSld>
-</p:sld>
-</file>
-
-<file path=ppt/slides/slide29.xml><?xml version="1.0" encoding="utf-8"?>
-<p:sld xmlns:a="http://schemas.openxmlformats.org/drawingml/2006/main" xmlns:r="http://schemas.openxmlformats.org/officeDocument/2006/relationships" xmlns:p="http://schemas.openxmlformats.org/presentationml/2006/main">
-  <p:cSld>
-    <p:spTree>
-      <p:nvGrpSpPr>
-        <p:cNvPr id="1" name=""/>
-        <p:cNvGrpSpPr/>
-        <p:nvPr/>
-      </p:nvGrpSpPr>
-      <p:grpSpPr>
-        <a:xfrm>
-          <a:off x="0" y="0"/>
-          <a:ext cx="0" cy="0"/>
-          <a:chOff x="0" y="0"/>
-          <a:chExt cx="0" cy="0"/>
-        </a:xfrm>
-      </p:grpSpPr>
-      <p:sp>
-        <p:nvSpPr>
-          <p:cNvPr id="3" name="Content Placeholder 2"/>
-          <p:cNvSpPr>
-            <a:spLocks noGrp="1"/>
-          </p:cNvSpPr>
-          <p:nvPr>
-            <p:ph idx="1"/>
-          </p:nvPr>
-        </p:nvSpPr>
-        <p:spPr/>
-        <p:txBody>
-          <a:bodyPr/>
-          <a:lstStyle/>
-          <a:p>
-            <a:pPr lvl="0" marL="0" indent="0">
-              <a:buNone/>
-            </a:pPr>
-            <a:r>
-              <a:rPr/>
-              <a:t>Wer’s nicht glaubt, bezahlt einen Taler</a:t>
+              <a:t>№7</a:t>
             </a:r>
           </a:p>
         </p:txBody>
@@ -5324,7 +3915,7 @@
             </a:pPr>
             <a:r>
               <a:rPr/>
-              <a:t>Проблемы</a:t>
+              <a:t>Цель</a:t>
             </a:r>
             <a:r>
               <a:rPr/>
@@ -5332,7 +3923,7 @@
             </a:r>
             <a:r>
               <a:rPr/>
-              <a:t>машинного</a:t>
+              <a:t>работы</a:t>
             </a:r>
             <a:r>
               <a:rPr/>
@@ -5340,7 +3931,15 @@
             </a:r>
             <a:r>
               <a:rPr/>
-              <a:t>обучения</a:t>
+              <a:t>и</a:t>
+            </a:r>
+            <a:r>
+              <a:rPr/>
+              <a:t> </a:t>
+            </a:r>
+            <a:r>
+              <a:rPr/>
+              <a:t>задание</a:t>
             </a:r>
           </a:p>
         </p:txBody>
@@ -5360,31 +3959,284 @@
           <a:bodyPr/>
           <a:lstStyle/>
           <a:p>
-            <a:pPr lvl="1"/>
-            <a:r>
-              <a:rPr/>
-              <a:t>Технологии машинного обучения и нейросетей переоценены.</a:t>
-            </a:r>
-          </a:p>
-          <a:p>
-            <a:pPr lvl="1"/>
-            <a:r>
-              <a:rPr/>
-              <a:t>Методы машинного обучения уничтожают культуру аналитического мышления.</a:t>
-            </a:r>
-          </a:p>
-          <a:p>
-            <a:pPr lvl="1"/>
-            <a:r>
-              <a:rPr/>
-              <a:t>Для достижения результата в проектах, подразумевающих анализ данных, важнее знание предмета, нежели глубокие знания ML.</a:t>
-            </a:r>
-          </a:p>
-          <a:p>
-            <a:pPr lvl="1"/>
-            <a:r>
-              <a:rPr/>
-              <a:t>Профессия Data Scientist’а сильно переоценена, универсальных специалистов больше не будет.</a:t>
+            <a:pPr lvl="0" marL="0" indent="0">
+              <a:buNone/>
+            </a:pPr>
+            <a:r>
+              <a:rPr/>
+              <a:t>Цель данной лабораторной работы - освоение основных возможностей командной оболочки Midnight Commander. Приобретение навыков практической работы по просмотру каталогов и файлов; манипуляций с ними.</a:t>
+            </a:r>
+          </a:p>
+          <a:p>
+            <a:pPr lvl="0" marL="0" indent="0">
+              <a:buNone/>
+            </a:pPr>
+            <a:r>
+              <a:rPr/>
+              <a:t>Задание:</a:t>
+            </a:r>
+          </a:p>
+          <a:p>
+            <a:pPr lvl="0" marL="0" indent="0">
+              <a:buNone/>
+            </a:pPr>
+            <a:r>
+              <a:rPr/>
+              <a:t>Задание по mc</a:t>
+            </a:r>
+          </a:p>
+          <a:p>
+            <a:pPr lvl="1">
+              <a:buAutoNum type="arabicPeriod"/>
+            </a:pPr>
+            <a:r>
+              <a:rPr/>
+              <a:t>Изучите информацию о mc, вызвав в командной строке man mc.</a:t>
+            </a:r>
+          </a:p>
+          <a:p>
+            <a:pPr lvl="1">
+              <a:buAutoNum type="arabicPeriod"/>
+            </a:pPr>
+            <a:r>
+              <a:rPr/>
+              <a:t>Запустите из командной строки mc, изучите его структуру и меню.</a:t>
+            </a:r>
+          </a:p>
+          <a:p>
+            <a:pPr lvl="1">
+              <a:buAutoNum type="arabicPeriod"/>
+            </a:pPr>
+            <a:r>
+              <a:rPr/>
+              <a:t>Выполните несколько операций в mc, используя управляющие клавиши (операции с панелями; выделение/отмена выделения файлов, копирование/перемещение файлов, получение информации о размере и правах доступа на файлы и/или каталоги и т.п.)</a:t>
+            </a:r>
+          </a:p>
+          <a:p>
+            <a:pPr lvl="1">
+              <a:buAutoNum type="arabicPeriod"/>
+            </a:pPr>
+            <a:r>
+              <a:rPr/>
+              <a:t>Выполните основные команды меню левой (или правой) панели. Оцените степень подробности вывода информации о файлах.</a:t>
+            </a:r>
+          </a:p>
+          <a:p>
+            <a:pPr lvl="1">
+              <a:buAutoNum type="arabicPeriod"/>
+            </a:pPr>
+            <a:r>
+              <a:rPr/>
+              <a:t>Используя возможности подменю Файл , выполните:</a:t>
+            </a:r>
+          </a:p>
+          <a:p>
+            <a:pPr lvl="2"/>
+            <a:r>
+              <a:rPr/>
+              <a:t>просмотр содержимого текстового файла;</a:t>
+            </a:r>
+          </a:p>
+          <a:p>
+            <a:pPr lvl="2"/>
+            <a:r>
+              <a:rPr/>
+              <a:t>редактирование содержимого текстового файла (без сохранения результатов редактирования);</a:t>
+            </a:r>
+          </a:p>
+          <a:p>
+            <a:pPr lvl="2"/>
+            <a:r>
+              <a:rPr/>
+              <a:t>создание каталога;</a:t>
+            </a:r>
+          </a:p>
+          <a:p>
+            <a:pPr lvl="2"/>
+            <a:r>
+              <a:rPr/>
+              <a:t>копирование в файлов в созданный каталог.</a:t>
+            </a:r>
+          </a:p>
+          <a:p>
+            <a:pPr lvl="1">
+              <a:buAutoNum type="arabicPeriod"/>
+            </a:pPr>
+            <a:r>
+              <a:rPr/>
+              <a:t>С помощью соответствующих средств подменю Команда осуществите:</a:t>
+            </a:r>
+          </a:p>
+          <a:p>
+            <a:pPr lvl="2"/>
+            <a:r>
+              <a:rPr/>
+              <a:t>поиск в файловой системе файла с заданными условиями (например, файла с расширением .c или .cpp, содержащего строку main);</a:t>
+            </a:r>
+          </a:p>
+          <a:p>
+            <a:pPr lvl="2"/>
+            <a:r>
+              <a:rPr/>
+              <a:t>выбор и повторение одной из предыдущих команд;</a:t>
+            </a:r>
+          </a:p>
+          <a:p>
+            <a:pPr lvl="2"/>
+            <a:r>
+              <a:rPr/>
+              <a:t>переход в домашний каталог;</a:t>
+            </a:r>
+          </a:p>
+          <a:p>
+            <a:pPr lvl="2"/>
+            <a:r>
+              <a:rPr/>
+              <a:t>анализ файла меню и файла расширений.</a:t>
+            </a:r>
+          </a:p>
+          <a:p>
+            <a:pPr lvl="1">
+              <a:buAutoNum type="arabicPeriod"/>
+            </a:pPr>
+            <a:r>
+              <a:rPr/>
+              <a:t>Вызовите подменю Настройки . Освойте операции, определяющие структуру экрана mc (Full screen, Double Width, Show Hidden Files и т.д.)</a:t>
+            </a:r>
+          </a:p>
+          <a:p>
+            <a:pPr lvl="0" marL="0" indent="0">
+              <a:buNone/>
+            </a:pPr>
+            <a:r>
+              <a:rPr/>
+              <a:t>Задание по встроенному редактору mc</a:t>
+            </a:r>
+          </a:p>
+          <a:p>
+            <a:pPr lvl="1">
+              <a:buAutoNum type="arabicPeriod"/>
+            </a:pPr>
+            <a:r>
+              <a:rPr/>
+              <a:t>Создайте текстовой файл text.txt.</a:t>
+            </a:r>
+          </a:p>
+          <a:p>
+            <a:pPr lvl="1">
+              <a:buAutoNum type="arabicPeriod"/>
+            </a:pPr>
+            <a:r>
+              <a:rPr/>
+              <a:t>Откройте этот файл с помощью встроенного в mc редактора.</a:t>
+            </a:r>
+          </a:p>
+          <a:p>
+            <a:pPr lvl="1">
+              <a:buAutoNum type="arabicPeriod"/>
+            </a:pPr>
+            <a:r>
+              <a:rPr/>
+              <a:t>Вставьте в открытый файл небольшой фрагмент текста, скопированный из любого другого файла или Интернета.</a:t>
+            </a:r>
+          </a:p>
+          <a:p>
+            <a:pPr lvl="1">
+              <a:buAutoNum type="arabicPeriod"/>
+            </a:pPr>
+            <a:r>
+              <a:rPr/>
+              <a:t>Проделайте с текстом следующие манипуляции, используя горячие клавиши:</a:t>
+            </a:r>
+          </a:p>
+          <a:p>
+            <a:pPr lvl="2">
+              <a:buAutoNum type="arabicPeriod"/>
+            </a:pPr>
+            <a:r>
+              <a:rPr/>
+              <a:t>Удалите строку текста.</a:t>
+            </a:r>
+          </a:p>
+          <a:p>
+            <a:pPr lvl="2">
+              <a:buAutoNum type="arabicPeriod"/>
+            </a:pPr>
+            <a:r>
+              <a:rPr/>
+              <a:t>Выделите фрагмент текста и скопируйте его на новую строку</a:t>
+            </a:r>
+          </a:p>
+          <a:p>
+            <a:pPr lvl="2">
+              <a:buAutoNum type="arabicPeriod"/>
+            </a:pPr>
+            <a:r>
+              <a:rPr/>
+              <a:t>Выделите фрагмент текста и перенесите его на новую строку.</a:t>
+            </a:r>
+          </a:p>
+          <a:p>
+            <a:pPr lvl="2">
+              <a:buAutoNum type="arabicPeriod"/>
+            </a:pPr>
+            <a:r>
+              <a:rPr/>
+              <a:t>Сохраните файл.</a:t>
+            </a:r>
+          </a:p>
+          <a:p>
+            <a:pPr lvl="2">
+              <a:buAutoNum type="arabicPeriod"/>
+            </a:pPr>
+            <a:r>
+              <a:rPr/>
+              <a:t>Отмените последнее действие.</a:t>
+            </a:r>
+          </a:p>
+          <a:p>
+            <a:pPr lvl="2">
+              <a:buAutoNum type="arabicPeriod"/>
+            </a:pPr>
+            <a:r>
+              <a:rPr/>
+              <a:t>Перейдите в конец файла (нажав комбинацию клавиш) и напишите некоторый текст.</a:t>
+            </a:r>
+          </a:p>
+          <a:p>
+            <a:pPr lvl="2">
+              <a:buAutoNum type="arabicPeriod"/>
+            </a:pPr>
+            <a:r>
+              <a:rPr/>
+              <a:t>Перейдите в начало файла (нажав комбинацию клавиш) и напишите некоторый текст.</a:t>
+            </a:r>
+          </a:p>
+          <a:p>
+            <a:pPr lvl="2">
+              <a:buAutoNum type="arabicPeriod"/>
+            </a:pPr>
+            <a:r>
+              <a:rPr/>
+              <a:t>Сохраните и закройте файл.</a:t>
+            </a:r>
+          </a:p>
+          <a:p>
+            <a:pPr lvl="1">
+              <a:buAutoNum type="arabicPeriod"/>
+            </a:pPr>
+            <a:r>
+              <a:rPr/>
+              <a:t>Откройте файл с исходным текстом на некотором языке программирования (например C или Java)</a:t>
+            </a:r>
+          </a:p>
+          <a:p>
+            <a:pPr lvl="1">
+              <a:buAutoNum type="arabicPeriod"/>
+            </a:pPr>
+            <a:r>
+              <a:rPr/>
+              <a:t>Используя меню редактора, включите подсветку синтаксиса, если она не включена, или выключите, если она включена.</a:t>
             </a:r>
           </a:p>
         </p:txBody>
@@ -5431,7 +4283,7 @@
             </a:pPr>
             <a:r>
               <a:rPr/>
-              <a:t>Технологии</a:t>
+              <a:t>Ход</a:t>
             </a:r>
             <a:r>
               <a:rPr/>
@@ -5439,7 +4291,7 @@
             </a:r>
             <a:r>
               <a:rPr/>
-              <a:t>переоценены</a:t>
+              <a:t>работы</a:t>
             </a:r>
           </a:p>
         </p:txBody>
@@ -5459,38 +4311,12 @@
           <a:bodyPr/>
           <a:lstStyle/>
           <a:p>
-            <a:pPr lvl="1"/>
-            <a:r>
-              <a:rPr/>
-              <a:t>Большинство задач, которые сейчас пытаются решать с помощью современных методов анализа данных и нейросетей – решаются уже давно.</a:t>
-            </a:r>
-          </a:p>
-          <a:p>
-            <a:pPr lvl="1"/>
-            <a:r>
-              <a:rPr/>
-              <a:t>Задачи не новые. Их решают аналитики, которые разбираются в предметной области.</a:t>
-            </a:r>
-          </a:p>
-          <a:p>
-            <a:pPr lvl="1"/>
-            <a:r>
-              <a:rPr/>
-              <a:t>Зачастую алгоритмы машинного обучения в таких системах уже заложены.</a:t>
-            </a:r>
-          </a:p>
-          <a:p>
-            <a:pPr lvl="1"/>
-            <a:r>
-              <a:rPr/>
-              <a:t>Сделать тут что-то принципиально новое и реально применимое крайне сложно.</a:t>
-            </a:r>
-          </a:p>
-          <a:p>
-            <a:pPr lvl="1"/>
-            <a:r>
-              <a:rPr/>
-              <a:t>Яблоки, упавшие с дерева, уже собраны.</a:t>
+            <a:pPr lvl="1">
+              <a:buAutoNum type="arabicPeriod"/>
+            </a:pPr>
+            <a:r>
+              <a:rPr/>
+              <a:t>Изучила информацию о mc, вызвав в командной строке man mc (рис.1).</a:t>
             </a:r>
           </a:p>
         </p:txBody>
@@ -5517,27 +4343,62 @@
           <a:chExt cx="0" cy="0"/>
         </a:xfrm>
       </p:grpSpPr>
-      <p:sp>
-        <p:nvSpPr>
-          <p:cNvPr id="2" name="Title 1"/>
-          <p:cNvSpPr>
-            <a:spLocks noGrp="1"/>
-          </p:cNvSpPr>
-          <p:nvPr>
-            <p:ph type="title"/>
-          </p:nvPr>
-        </p:nvSpPr>
-        <p:spPr/>
-        <p:txBody>
-          <a:bodyPr/>
-          <a:lstStyle/>
-          <a:p>
-            <a:pPr lvl="0" marL="0" indent="0">
+      <p:pic>
+        <p:nvPicPr>
+          <p:cNvPr descr="image/1.png" id="0" name="Picture 1"/>
+          <p:cNvPicPr>
+            <a:picLocks noGrp="1" noChangeAspect="1"/>
+          </p:cNvPicPr>
+          <p:nvPr/>
+        </p:nvPicPr>
+        <p:blipFill>
+          <a:blip r:embed="rId2"/>
+          <a:stretch>
+            <a:fillRect/>
+          </a:stretch>
+        </p:blipFill>
+        <p:spPr bwMode="auto">
+          <a:xfrm>
+            <a:off x="1955800" y="1600200"/>
+            <a:ext cx="5219700" cy="4013200"/>
+          </a:xfrm>
+          <a:prstGeom prst="rect">
+            <a:avLst/>
+          </a:prstGeom>
+          <a:noFill/>
+          <a:ln w="9525">
+            <a:noFill/>
+            <a:headEnd/>
+            <a:tailEnd/>
+          </a:ln>
+        </p:spPr>
+      </p:pic>
+      <p:sp>
+        <p:nvSpPr>
+          <p:cNvPr id="1" name="TextBox 3"/>
+          <p:cNvSpPr txBox="1"/>
+          <p:nvPr/>
+        </p:nvSpPr>
+        <p:spPr>
+          <a:xfrm>
+            <a:off x="457200" y="5613400"/>
+            <a:ext cx="8229600" cy="508000"/>
+          </a:xfrm>
+          <a:prstGeom prst="rect">
+            <a:avLst/>
+          </a:prstGeom>
+          <a:noFill/>
+        </p:spPr>
+        <p:txBody>
+          <a:bodyPr/>
+          <a:lstStyle/>
+          <a:p>
+            <a:pPr lvl="0" marL="0" indent="0" algn="ctr">
               <a:buNone/>
             </a:pPr>
             <a:r>
               <a:rPr/>
-              <a:t>Культура</a:t>
+              <a:t>Рисунок</a:t>
             </a:r>
             <a:r>
               <a:rPr/>
@@ -5545,7 +4406,7 @@
             </a:r>
             <a:r>
               <a:rPr/>
-              <a:t>аналитического</a:t>
+              <a:t>1</a:t>
             </a:r>
             <a:r>
               <a:rPr/>
@@ -5553,72 +4414,23 @@
             </a:r>
             <a:r>
               <a:rPr/>
-              <a:t>мышления</a:t>
-            </a:r>
-          </a:p>
-        </p:txBody>
-      </p:sp>
-      <p:sp>
-        <p:nvSpPr>
-          <p:cNvPr id="3" name="Content Placeholder 2"/>
-          <p:cNvSpPr>
-            <a:spLocks noGrp="1"/>
-          </p:cNvSpPr>
-          <p:nvPr>
-            <p:ph idx="1"/>
-          </p:nvPr>
-        </p:nvSpPr>
-        <p:spPr/>
-        <p:txBody>
-          <a:bodyPr/>
-          <a:lstStyle/>
-          <a:p>
-            <a:pPr lvl="1"/>
-            <a:r>
-              <a:rPr/>
-              <a:t>Нужно глубоко разобраться в предметной области.</a:t>
-            </a:r>
-          </a:p>
-          <a:p>
-            <a:pPr lvl="2"/>
-            <a:r>
-              <a:rPr/>
-              <a:t>какие данные нужны;</a:t>
-            </a:r>
-          </a:p>
-          <a:p>
-            <a:pPr lvl="2"/>
-            <a:r>
-              <a:rPr/>
-              <a:t>нужны ли какие-либо предсказательные алгоритмы;</a:t>
-            </a:r>
-          </a:p>
-          <a:p>
-            <a:pPr lvl="2"/>
-            <a:r>
-              <a:rPr/>
-              <a:t>есть ли возможность верифицировать предсказание.</a:t>
-            </a:r>
-          </a:p>
-          <a:p>
-            <a:pPr lvl="1"/>
-            <a:r>
-              <a:rPr/>
-              <a:t>Требуется аналитический подход.</a:t>
-            </a:r>
-          </a:p>
-          <a:p>
-            <a:pPr lvl="1"/>
-            <a:r>
-              <a:rPr/>
-              <a:t>Требуется культура работы с данными.</a:t>
-            </a:r>
-          </a:p>
-          <a:p>
-            <a:pPr lvl="1"/>
-            <a:r>
-              <a:rPr/>
-              <a:t>Требуется умение ставить гипотезы.</a:t>
+              <a:t>-</a:t>
+            </a:r>
+            <a:r>
+              <a:rPr/>
+              <a:t> </a:t>
+            </a:r>
+            <a:r>
+              <a:rPr/>
+              <a:t>man</a:t>
+            </a:r>
+            <a:r>
+              <a:rPr/>
+              <a:t> </a:t>
+            </a:r>
+            <a:r>
+              <a:rPr/>
+              <a:t>mc</a:t>
             </a:r>
           </a:p>
         </p:txBody>
@@ -5647,95 +4459,25 @@
       </p:grpSpPr>
       <p:sp>
         <p:nvSpPr>
-          <p:cNvPr id="2" name="Title 1"/>
-          <p:cNvSpPr>
-            <a:spLocks noGrp="1"/>
-          </p:cNvSpPr>
-          <p:nvPr>
-            <p:ph type="title"/>
-          </p:nvPr>
-        </p:nvSpPr>
-        <p:spPr/>
-        <p:txBody>
-          <a:bodyPr/>
-          <a:lstStyle/>
-          <a:p>
-            <a:pPr lvl="0" marL="0" indent="0">
-              <a:buNone/>
+          <p:cNvPr id="3" name="Content Placeholder 2"/>
+          <p:cNvSpPr>
+            <a:spLocks noGrp="1"/>
+          </p:cNvSpPr>
+          <p:nvPr>
+            <p:ph idx="1"/>
+          </p:nvPr>
+        </p:nvSpPr>
+        <p:spPr/>
+        <p:txBody>
+          <a:bodyPr/>
+          <a:lstStyle/>
+          <a:p>
+            <a:pPr lvl="1">
+              <a:buAutoNum startAt="2" type="arabicPeriod"/>
             </a:pPr>
             <a:r>
               <a:rPr/>
-              <a:t>Уничтожение</a:t>
-            </a:r>
-            <a:r>
-              <a:rPr/>
-              <a:t> </a:t>
-            </a:r>
-            <a:r>
-              <a:rPr/>
-              <a:t>культуры</a:t>
-            </a:r>
-            <a:r>
-              <a:rPr/>
-              <a:t> </a:t>
-            </a:r>
-            <a:r>
-              <a:rPr/>
-              <a:t>аналитического</a:t>
-            </a:r>
-            <a:r>
-              <a:rPr/>
-              <a:t> </a:t>
-            </a:r>
-            <a:r>
-              <a:rPr/>
-              <a:t>мышления</a:t>
-            </a:r>
-          </a:p>
-        </p:txBody>
-      </p:sp>
-      <p:sp>
-        <p:nvSpPr>
-          <p:cNvPr id="3" name="Content Placeholder 2"/>
-          <p:cNvSpPr>
-            <a:spLocks noGrp="1"/>
-          </p:cNvSpPr>
-          <p:nvPr>
-            <p:ph idx="1"/>
-          </p:nvPr>
-        </p:nvSpPr>
-        <p:spPr/>
-        <p:txBody>
-          <a:bodyPr/>
-          <a:lstStyle/>
-          <a:p>
-            <a:pPr lvl="0" marL="0" indent="0">
-              <a:buNone/>
-            </a:pPr>
-            <a:r>
-              <a:rPr/>
-              <a:t>Большинство современных Data Scientist’ов = дети на спорткаре</a:t>
-            </a:r>
-          </a:p>
-          <a:p>
-            <a:pPr lvl="1"/>
-            <a:r>
-              <a:rPr/>
-              <a:t>считают себя уникальными;</a:t>
-            </a:r>
-          </a:p>
-          <a:p>
-            <a:pPr lvl="1"/>
-            <a:r>
-              <a:rPr/>
-              <a:t>водить не умеют;</a:t>
-            </a:r>
-          </a:p>
-          <a:p>
-            <a:pPr lvl="1"/>
-            <a:r>
-              <a:rPr/>
-              <a:t>едут быстро только потому, что сильное железо.</a:t>
+              <a:t>Запустила из командной строки mc, изучила его структуру и меню. Выполнила несколько операций в mc, используя управляющие клавиши: открыла файл для просмотра и редактирования. Выполнила основные команды меню правой панели (рис. 2). Степень подробности вывода информации о файлах: “Информация” выводит подробную информацию о файле, “Дерево” - минимум информации, “Формат списка” - “Укороченный” отображает минимальную информацию в виде имени файла, тогда как расширенный формат дает подробную информацию, однако менее полную, чем в пункте “Информация”, определенный пользователем формат позволяет самоу определять степень подробности, однако она будет менее подробной, чем в пункте “Информация”.</a:t>
             </a:r>
           </a:p>
         </p:txBody>
@@ -5762,27 +4504,62 @@
           <a:chExt cx="0" cy="0"/>
         </a:xfrm>
       </p:grpSpPr>
-      <p:sp>
-        <p:nvSpPr>
-          <p:cNvPr id="2" name="Title 1"/>
-          <p:cNvSpPr>
-            <a:spLocks noGrp="1"/>
-          </p:cNvSpPr>
-          <p:nvPr>
-            <p:ph type="title"/>
-          </p:nvPr>
-        </p:nvSpPr>
-        <p:spPr/>
-        <p:txBody>
-          <a:bodyPr/>
-          <a:lstStyle/>
-          <a:p>
-            <a:pPr lvl="0" marL="0" indent="0">
+      <p:pic>
+        <p:nvPicPr>
+          <p:cNvPr descr="image/2.png" id="0" name="Picture 1"/>
+          <p:cNvPicPr>
+            <a:picLocks noGrp="1" noChangeAspect="1"/>
+          </p:cNvPicPr>
+          <p:nvPr/>
+        </p:nvPicPr>
+        <p:blipFill>
+          <a:blip r:embed="rId2"/>
+          <a:stretch>
+            <a:fillRect/>
+          </a:stretch>
+        </p:blipFill>
+        <p:spPr bwMode="auto">
+          <a:xfrm>
+            <a:off x="2070100" y="1600200"/>
+            <a:ext cx="4991100" cy="4013200"/>
+          </a:xfrm>
+          <a:prstGeom prst="rect">
+            <a:avLst/>
+          </a:prstGeom>
+          <a:noFill/>
+          <a:ln w="9525">
+            <a:noFill/>
+            <a:headEnd/>
+            <a:tailEnd/>
+          </a:ln>
+        </p:spPr>
+      </p:pic>
+      <p:sp>
+        <p:nvSpPr>
+          <p:cNvPr id="1" name="TextBox 3"/>
+          <p:cNvSpPr txBox="1"/>
+          <p:nvPr/>
+        </p:nvSpPr>
+        <p:spPr>
+          <a:xfrm>
+            <a:off x="457200" y="5613400"/>
+            <a:ext cx="8229600" cy="508000"/>
+          </a:xfrm>
+          <a:prstGeom prst="rect">
+            <a:avLst/>
+          </a:prstGeom>
+          <a:noFill/>
+        </p:spPr>
+        <p:txBody>
+          <a:bodyPr/>
+          <a:lstStyle/>
+          <a:p>
+            <a:pPr lvl="0" marL="0" indent="0" algn="ctr">
               <a:buNone/>
             </a:pPr>
             <a:r>
               <a:rPr/>
-              <a:t>Важнее</a:t>
+              <a:t>Рисунок</a:t>
             </a:r>
             <a:r>
               <a:rPr/>
@@ -5790,7 +4567,7 @@
             </a:r>
             <a:r>
               <a:rPr/>
-              <a:t>знание</a:t>
+              <a:t>2</a:t>
             </a:r>
             <a:r>
               <a:rPr/>
@@ -5798,69 +4575,31 @@
             </a:r>
             <a:r>
               <a:rPr/>
-              <a:t>предмета</a:t>
-            </a:r>
-          </a:p>
-        </p:txBody>
-      </p:sp>
-      <p:sp>
-        <p:nvSpPr>
-          <p:cNvPr id="3" name="Content Placeholder 2"/>
-          <p:cNvSpPr>
-            <a:spLocks noGrp="1"/>
-          </p:cNvSpPr>
-          <p:nvPr>
-            <p:ph idx="1"/>
-          </p:nvPr>
-        </p:nvSpPr>
-        <p:spPr/>
-        <p:txBody>
-          <a:bodyPr/>
-          <a:lstStyle/>
-          <a:p>
-            <a:pPr lvl="0" marL="0" indent="0">
-              <a:buNone/>
-            </a:pPr>
-            <a:r>
-              <a:rPr/>
-              <a:t>Data Scientists:</a:t>
-            </a:r>
-          </a:p>
-          <a:p>
-            <a:pPr lvl="1"/>
-            <a:r>
-              <a:rPr/>
-              <a:t>почти не задают никаких вопросов;</a:t>
-            </a:r>
-          </a:p>
-          <a:p>
-            <a:pPr lvl="1"/>
-            <a:r>
-              <a:rPr/>
-              <a:t>данные и так обо всем расскажут;</a:t>
-            </a:r>
-          </a:p>
-          <a:p>
-            <a:pPr lvl="1"/>
-            <a:r>
-              <a:rPr/>
-              <a:t>забирают какие-то данные;</a:t>
-            </a:r>
-          </a:p>
-          <a:p>
-            <a:pPr lvl="1"/>
-            <a:r>
-              <a:rPr/>
-              <a:t>говорят, что построили какую-то модель.</a:t>
-            </a:r>
-          </a:p>
-          <a:p>
-            <a:pPr lvl="0" marL="0" indent="0">
-              <a:buNone/>
-            </a:pPr>
-            <a:r>
-              <a:rPr/>
-              <a:t>Результат не проверяем.</a:t>
+              <a:t>-</a:t>
+            </a:r>
+            <a:r>
+              <a:rPr/>
+              <a:t> </a:t>
+            </a:r>
+            <a:r>
+              <a:rPr/>
+              <a:t>Меню</a:t>
+            </a:r>
+            <a:r>
+              <a:rPr/>
+              <a:t> </a:t>
+            </a:r>
+            <a:r>
+              <a:rPr/>
+              <a:t>правой</a:t>
+            </a:r>
+            <a:r>
+              <a:rPr/>
+              <a:t> </a:t>
+            </a:r>
+            <a:r>
+              <a:rPr/>
+              <a:t>панели</a:t>
             </a:r>
           </a:p>
         </p:txBody>
@@ -5889,96 +4628,34 @@
       </p:grpSpPr>
       <p:sp>
         <p:nvSpPr>
-          <p:cNvPr id="2" name="Title 1"/>
-          <p:cNvSpPr>
-            <a:spLocks noGrp="1"/>
-          </p:cNvSpPr>
-          <p:nvPr>
-            <p:ph type="title"/>
-          </p:nvPr>
-        </p:nvSpPr>
-        <p:spPr/>
-        <p:txBody>
-          <a:bodyPr/>
-          <a:lstStyle/>
-          <a:p>
-            <a:pPr lvl="0" marL="0" indent="0">
-              <a:buNone/>
+          <p:cNvPr id="3" name="Content Placeholder 2"/>
+          <p:cNvSpPr>
+            <a:spLocks noGrp="1"/>
+          </p:cNvSpPr>
+          <p:nvPr>
+            <p:ph idx="1"/>
+          </p:nvPr>
+        </p:nvSpPr>
+        <p:spPr/>
+        <p:txBody>
+          <a:bodyPr/>
+          <a:lstStyle/>
+          <a:p>
+            <a:pPr lvl="1">
+              <a:buAutoNum startAt="3" type="arabicPeriod"/>
             </a:pPr>
             <a:r>
               <a:rPr/>
-              <a:t>Универсальных</a:t>
-            </a:r>
-            <a:r>
-              <a:rPr/>
-              <a:t> </a:t>
-            </a:r>
-            <a:r>
-              <a:rPr/>
-              <a:t>специалистов</a:t>
-            </a:r>
-            <a:r>
-              <a:rPr/>
-              <a:t> </a:t>
-            </a:r>
-            <a:r>
-              <a:rPr/>
-              <a:t>больше</a:t>
-            </a:r>
-            <a:r>
-              <a:rPr/>
-              <a:t> </a:t>
-            </a:r>
-            <a:r>
-              <a:rPr/>
-              <a:t>не</a:t>
-            </a:r>
-            <a:r>
-              <a:rPr/>
-              <a:t> </a:t>
-            </a:r>
-            <a:r>
-              <a:rPr/>
-              <a:t>будет</a:t>
-            </a:r>
-          </a:p>
-        </p:txBody>
-      </p:sp>
-      <p:sp>
-        <p:nvSpPr>
-          <p:cNvPr id="3" name="Content Placeholder 2"/>
-          <p:cNvSpPr>
-            <a:spLocks noGrp="1"/>
-          </p:cNvSpPr>
-          <p:nvPr>
-            <p:ph idx="1"/>
-          </p:nvPr>
-        </p:nvSpPr>
-        <p:spPr/>
-        <p:txBody>
-          <a:bodyPr/>
-          <a:lstStyle/>
-          <a:p>
-            <a:pPr lvl="0" marL="0" indent="0">
-              <a:buNone/>
+              <a:t>Используя возможности подменю Файл, выполнила просмотр содержимого текстового файла README.md, редактирование содержимого текстового файла (без сохранения результатов редактирования), создание каталога, копирование в файлов в созданный каталог.</a:t>
+            </a:r>
+          </a:p>
+          <a:p>
+            <a:pPr lvl="1">
+              <a:buAutoNum startAt="3" type="arabicPeriod"/>
             </a:pPr>
             <a:r>
               <a:rPr/>
-              <a:t>Data Scientist</a:t>
-            </a:r>
-          </a:p>
-          <a:p>
-            <a:pPr lvl="1"/>
-            <a:r>
-              <a:rPr/>
-              <a:t>не может быть универсалом;</a:t>
-            </a:r>
-          </a:p>
-          <a:p>
-            <a:pPr lvl="1"/>
-            <a:r>
-              <a:rPr/>
-              <a:t>должен быть экспертом в предметной области.</a:t>
+              <a:t>С помощью соответствующих средств подменю Команда осуществила поиск в файловой системе файла с заданными условиями, выбор и повторение одной из предыдущих команд cd /work, переход в домашний каталог, анализ файла меню и файла расширений.</a:t>
             </a:r>
           </a:p>
         </p:txBody>
@@ -6005,27 +4682,62 @@
           <a:chExt cx="0" cy="0"/>
         </a:xfrm>
       </p:grpSpPr>
-      <p:sp>
-        <p:nvSpPr>
-          <p:cNvPr id="2" name="Title 1"/>
-          <p:cNvSpPr>
-            <a:spLocks noGrp="1"/>
-          </p:cNvSpPr>
-          <p:nvPr>
-            <p:ph type="title"/>
-          </p:nvPr>
-        </p:nvSpPr>
-        <p:spPr/>
-        <p:txBody>
-          <a:bodyPr/>
-          <a:lstStyle/>
-          <a:p>
-            <a:pPr lvl="0" marL="0" indent="0">
+      <p:pic>
+        <p:nvPicPr>
+          <p:cNvPr descr="image/3.png" id="0" name="Picture 1"/>
+          <p:cNvPicPr>
+            <a:picLocks noGrp="1" noChangeAspect="1"/>
+          </p:cNvPicPr>
+          <p:nvPr/>
+        </p:nvPicPr>
+        <p:blipFill>
+          <a:blip r:embed="rId2"/>
+          <a:stretch>
+            <a:fillRect/>
+          </a:stretch>
+        </p:blipFill>
+        <p:spPr bwMode="auto">
+          <a:xfrm>
+            <a:off x="2286000" y="1600200"/>
+            <a:ext cx="4559300" cy="4013200"/>
+          </a:xfrm>
+          <a:prstGeom prst="rect">
+            <a:avLst/>
+          </a:prstGeom>
+          <a:noFill/>
+          <a:ln w="9525">
+            <a:noFill/>
+            <a:headEnd/>
+            <a:tailEnd/>
+          </a:ln>
+        </p:spPr>
+      </p:pic>
+      <p:sp>
+        <p:nvSpPr>
+          <p:cNvPr id="1" name="TextBox 3"/>
+          <p:cNvSpPr txBox="1"/>
+          <p:nvPr/>
+        </p:nvSpPr>
+        <p:spPr>
+          <a:xfrm>
+            <a:off x="457200" y="5613400"/>
+            <a:ext cx="8229600" cy="508000"/>
+          </a:xfrm>
+          <a:prstGeom prst="rect">
+            <a:avLst/>
+          </a:prstGeom>
+          <a:noFill/>
+        </p:spPr>
+        <p:txBody>
+          <a:bodyPr/>
+          <a:lstStyle/>
+          <a:p>
+            <a:pPr lvl="0" marL="0" indent="0" algn="ctr">
               <a:buNone/>
             </a:pPr>
             <a:r>
               <a:rPr/>
-              <a:t>Универсальных</a:t>
+              <a:t>Рисунок</a:t>
             </a:r>
             <a:r>
               <a:rPr/>
@@ -6033,7 +4745,7 @@
             </a:r>
             <a:r>
               <a:rPr/>
-              <a:t>специалистов</a:t>
+              <a:t>3</a:t>
             </a:r>
             <a:r>
               <a:rPr/>
@@ -6041,7 +4753,7 @@
             </a:r>
             <a:r>
               <a:rPr/>
-              <a:t>больше</a:t>
+              <a:t>-</a:t>
             </a:r>
             <a:r>
               <a:rPr/>
@@ -6049,7 +4761,7 @@
             </a:r>
             <a:r>
               <a:rPr/>
-              <a:t>не</a:t>
+              <a:t>Найденные</a:t>
             </a:r>
             <a:r>
               <a:rPr/>
@@ -6057,32 +4769,71 @@
             </a:r>
             <a:r>
               <a:rPr/>
-              <a:t>будет</a:t>
-            </a:r>
-          </a:p>
-        </p:txBody>
-      </p:sp>
-      <p:sp>
-        <p:nvSpPr>
-          <p:cNvPr id="3" name="Content Placeholder 2"/>
-          <p:cNvSpPr>
-            <a:spLocks noGrp="1"/>
-          </p:cNvSpPr>
-          <p:nvPr>
-            <p:ph idx="1"/>
-          </p:nvPr>
-        </p:nvSpPr>
-        <p:spPr/>
-        <p:txBody>
-          <a:bodyPr/>
-          <a:lstStyle/>
-          <a:p>
-            <a:pPr lvl="0" marL="0" indent="0">
-              <a:buNone/>
-            </a:pPr>
-            <a:r>
-              <a:rPr/>
-              <a:t>Хайп закончился.</a:t>
+              <a:t>файлы</a:t>
+            </a:r>
+            <a:r>
+              <a:rPr/>
+              <a:t> </a:t>
+            </a:r>
+            <a:r>
+              <a:rPr/>
+              <a:t>в</a:t>
+            </a:r>
+            <a:r>
+              <a:rPr/>
+              <a:t> </a:t>
+            </a:r>
+            <a:r>
+              <a:rPr/>
+              <a:t>домашнем</a:t>
+            </a:r>
+            <a:r>
+              <a:rPr/>
+              <a:t> </a:t>
+            </a:r>
+            <a:r>
+              <a:rPr/>
+              <a:t>каталоге,</a:t>
+            </a:r>
+            <a:r>
+              <a:rPr/>
+              <a:t> </a:t>
+            </a:r>
+            <a:r>
+              <a:rPr/>
+              <a:t>имя</a:t>
+            </a:r>
+            <a:r>
+              <a:rPr/>
+              <a:t> </a:t>
+            </a:r>
+            <a:r>
+              <a:rPr/>
+              <a:t>которых</a:t>
+            </a:r>
+            <a:r>
+              <a:rPr/>
+              <a:t> </a:t>
+            </a:r>
+            <a:r>
+              <a:rPr/>
+              <a:t>начинается</a:t>
+            </a:r>
+            <a:r>
+              <a:rPr/>
+              <a:t> </a:t>
+            </a:r>
+            <a:r>
+              <a:rPr/>
+              <a:t>на</a:t>
+            </a:r>
+            <a:r>
+              <a:rPr/>
+              <a:t> </a:t>
+            </a:r>
+            <a:r>
+              <a:rPr/>
+              <a:t>conf</a:t>
             </a:r>
           </a:p>
         </p:txBody>
